--- a/Árvore 2-3-4/Árvore 2-3-4.pptx
+++ b/Árvore 2-3-4/Árvore 2-3-4.pptx
@@ -8476,8 +8476,8 @@
         </p:nvSpPr>
         <p:spPr>
           <a:xfrm>
-            <a:off x="311700" y="1152475"/>
-            <a:ext cx="8520600" cy="3416400"/>
+            <a:off x="311785" y="1152525"/>
+            <a:ext cx="8520430" cy="3761105"/>
           </a:xfrm>
           <a:prstGeom prst="rect">
             <a:avLst/>
@@ -8588,7 +8588,55 @@
               <a:rPr lang="pt-BR" sz="1400"/>
               <a:t>&gt; Acesso em: 27 de setembro de 2018.</a:t>
             </a:r>
-            <a:endParaRPr sz="1400"/>
+            <a:endParaRPr lang="pt-BR" sz="1400"/>
+          </a:p>
+          <a:p>
+            <a:pPr marL="457200" lvl="0" indent="-317500" algn="l" rtl="0">
+              <a:spcBef>
+                <a:spcPts val="0"/>
+              </a:spcBef>
+              <a:spcAft>
+                <a:spcPts val="0"/>
+              </a:spcAft>
+              <a:buSzPts val="1400"/>
+              <a:buChar char="●"/>
+            </a:pPr>
+            <a:r>
+              <a:rPr lang="x-none" sz="1400" b="1"/>
+              <a:t>IME USP.</a:t>
+            </a:r>
+            <a:r>
+              <a:rPr lang="x-none" sz="1400"/>
+              <a:t> Disponível em:</a:t>
+            </a:r>
+            <a:endParaRPr lang="x-none" sz="1400"/>
+          </a:p>
+          <a:p>
+            <a:pPr marL="139700" lvl="0" indent="0" algn="l" rtl="0">
+              <a:spcBef>
+                <a:spcPts val="0"/>
+              </a:spcBef>
+              <a:spcAft>
+                <a:spcPts val="0"/>
+              </a:spcAft>
+              <a:buSzPts val="1400"/>
+              <a:buNone/>
+            </a:pPr>
+            <a:r>
+              <a:rPr lang="x-none" sz="1400"/>
+              <a:t>     &lt;</a:t>
+            </a:r>
+            <a:r>
+              <a:rPr lang="x-none" sz="1400">
+                <a:hlinkClick r:id="rId4" tooltip="" action="ppaction://hlinkfile"/>
+              </a:rPr>
+              <a:t>https://www.ime.usp.br/~pf/estruturas-de-dados/aulas/st-twothree.html</a:t>
+            </a:r>
+            <a:r>
+              <a:rPr lang="x-none" sz="1400"/>
+              <a:t>&gt; Acesso em: 27 de setembro de 2018.</a:t>
+            </a:r>
+            <a:endParaRPr lang="x-none" sz="1400"/>
           </a:p>
         </p:txBody>
       </p:sp>
@@ -8866,7 +8914,15 @@
             </a:pPr>
             <a:r>
               <a:rPr lang="pt-BR" sz="1600"/>
-              <a:t>Estrutura de dados auto-balanceada. Onde cada nó desta árvore só pode ter quatro filhos. Com isso ela sempre mantém o balanço perfeito, ou seja todos os nós externos vão possuir a mesma profundidade.</a:t>
+              <a:t>Estrutura de dados auto-balanceada. Onde cada nó desta árvore só pode ter </a:t>
+            </a:r>
+            <a:r>
+              <a:rPr lang="x-none" altLang="pt-BR" sz="1600"/>
+              <a:t>no máximo </a:t>
+            </a:r>
+            <a:r>
+              <a:rPr lang="pt-BR" sz="1600"/>
+              <a:t>quatro filhos. Com isso ela sempre mantém o balanço perfeito, ou seja todos os nós externos vão possuir a mesma profundidade.</a:t>
             </a:r>
             <a:endParaRPr sz="1600"/>
           </a:p>
@@ -8917,7 +8973,15 @@
             </a:pPr>
             <a:r>
               <a:rPr lang="pt-BR" sz="1600"/>
-              <a:t>Usada para auto completar.</a:t>
+              <a:t>Usada para auto completar</a:t>
+            </a:r>
+            <a:r>
+              <a:rPr lang="x-none" altLang="pt-BR" sz="1600"/>
+              <a:t>(Code completion)</a:t>
+            </a:r>
+            <a:r>
+              <a:rPr lang="pt-BR" sz="1600"/>
+              <a:t>.</a:t>
             </a:r>
             <a:endParaRPr sz="1600"/>
           </a:p>
@@ -9618,7 +9682,7 @@
         </p:nvSpPr>
         <p:spPr>
           <a:xfrm>
-            <a:off x="185550" y="2233613"/>
+            <a:off x="746255" y="14923"/>
             <a:ext cx="8520600" cy="572700"/>
           </a:xfrm>
           <a:prstGeom prst="rect">
@@ -9645,41 +9709,6 @@
               <a:t>Inserir 2-3-4</a:t>
             </a:r>
             <a:endParaRPr lang="pt-BR"/>
-          </a:p>
-        </p:txBody>
-      </p:sp>
-      <p:sp>
-        <p:nvSpPr>
-          <p:cNvPr id="101" name="Google Shape;101;p19"/>
-          <p:cNvSpPr txBox="1"/>
-          <p:nvPr>
-            <p:ph type="body" idx="1"/>
-          </p:nvPr>
-        </p:nvSpPr>
-        <p:spPr>
-          <a:xfrm>
-            <a:off x="311700" y="1152475"/>
-            <a:ext cx="8520600" cy="3416400"/>
-          </a:xfrm>
-          <a:prstGeom prst="rect">
-            <a:avLst/>
-          </a:prstGeom>
-        </p:spPr>
-        <p:txBody>
-          <a:bodyPr spcFirstLastPara="1" wrap="square" lIns="91425" tIns="91425" rIns="91425" bIns="91425" anchor="t" anchorCtr="0">
-            <a:noAutofit/>
-          </a:bodyPr>
-          <a:lstStyle/>
-          <a:p>
-            <a:pPr marL="0" lvl="0" indent="0" algn="l" rtl="0">
-              <a:spcBef>
-                <a:spcPts val="0"/>
-              </a:spcBef>
-              <a:spcAft>
-                <a:spcPts val="1600"/>
-              </a:spcAft>
-              <a:buNone/>
-            </a:pPr>
           </a:p>
         </p:txBody>
       </p:sp>
@@ -9697,7 +9726,7 @@
         </p:blipFill>
         <p:spPr>
           <a:xfrm>
-            <a:off x="2519400" y="106625"/>
+            <a:off x="4088485" y="188540"/>
             <a:ext cx="5016524" cy="4826675"/>
           </a:xfrm>
           <a:prstGeom prst="rect">
@@ -9707,6 +9736,30 @@
           <a:ln>
             <a:noFill/>
           </a:ln>
+        </p:spPr>
+      </p:pic>
+      <p:pic>
+        <p:nvPicPr>
+          <p:cNvPr id="1" name="Picture 0" descr="TTtrace"/>
+          <p:cNvPicPr>
+            <a:picLocks noChangeAspect="1"/>
+          </p:cNvPicPr>
+          <p:nvPr/>
+        </p:nvPicPr>
+        <p:blipFill>
+          <a:blip r:embed="rId2"/>
+          <a:stretch>
+            <a:fillRect/>
+          </a:stretch>
+        </p:blipFill>
+        <p:spPr>
+          <a:xfrm>
+            <a:off x="348615" y="425450"/>
+            <a:ext cx="3660140" cy="4589780"/>
+          </a:xfrm>
+          <a:prstGeom prst="rect">
+            <a:avLst/>
+          </a:prstGeom>
         </p:spPr>
       </p:pic>
     </p:spTree>

--- a/Árvore 2-3-4/Árvore 2-3-4.pptx
+++ b/Árvore 2-3-4/Árvore 2-3-4.pptx
@@ -18,24 +18,26 @@
     <p:sldId id="263" r:id="rId11"/>
     <p:sldId id="264" r:id="rId12"/>
     <p:sldId id="265" r:id="rId13"/>
-    <p:sldId id="266" r:id="rId14"/>
-    <p:sldId id="267" r:id="rId15"/>
-    <p:sldId id="268" r:id="rId16"/>
-    <p:sldId id="269" r:id="rId17"/>
-    <p:sldId id="270" r:id="rId18"/>
-    <p:sldId id="271" r:id="rId19"/>
+    <p:sldId id="267" r:id="rId14"/>
+    <p:sldId id="268" r:id="rId15"/>
+    <p:sldId id="269" r:id="rId16"/>
+    <p:sldId id="270" r:id="rId17"/>
+    <p:sldId id="271" r:id="rId18"/>
+    <p:sldId id="272" r:id="rId19"/>
+    <p:sldId id="274" r:id="rId20"/>
+    <p:sldId id="275" r:id="rId21"/>
   </p:sldIdLst>
   <p:sldSz cx="9144000" cy="5143500"/>
   <p:notesSz cx="6858000" cy="9144000"/>
   <p:embeddedFontLst>
     <p:embeddedFont>
       <p:font typeface="Average" charset="0"/>
-      <p:regular r:id="rId23"/>
+      <p:regular r:id="rId25"/>
     </p:embeddedFont>
     <p:embeddedFont>
       <p:font typeface="Oswald" charset="0"/>
-      <p:regular r:id="rId24"/>
-      <p:bold r:id="rId25"/>
+      <p:regular r:id="rId26"/>
+      <p:bold r:id="rId27"/>
     </p:embeddedFont>
   </p:embeddedFontLst>
   <p:defaultTextStyle>
@@ -807,7 +809,7 @@
   <p:cSld>
     <p:spTree>
       <p:nvGrpSpPr>
-        <p:cNvPr id="117" name="Shape 117"/>
+        <p:cNvPr id="116" name="Shape 116"/>
         <p:cNvGrpSpPr/>
         <p:nvPr/>
       </p:nvGrpSpPr>
@@ -821,7 +823,7 @@
       </p:grpSpPr>
       <p:sp>
         <p:nvSpPr>
-          <p:cNvPr id="118" name="Google Shape;118;g3f863cd7d6_2_0:notes"/>
+          <p:cNvPr id="117" name="Google Shape;117;g438d5870ec_0_1:notes"/>
           <p:cNvSpPr/>
           <p:nvPr>
             <p:ph type="sldImg" idx="2"/>
@@ -860,7 +862,7 @@
       </p:sp>
       <p:sp>
         <p:nvSpPr>
-          <p:cNvPr id="119" name="Google Shape;119;g3f863cd7d6_2_0:notes"/>
+          <p:cNvPr id="118" name="Google Shape;118;g438d5870ec_0_1:notes"/>
           <p:cNvSpPr txBox="1"/>
           <p:nvPr>
             <p:ph type="body" idx="1"/>
@@ -906,7 +908,7 @@
   <p:cSld>
     <p:spTree>
       <p:nvGrpSpPr>
-        <p:cNvPr id="124" name="Shape 124"/>
+        <p:cNvPr id="129" name="Shape 129"/>
         <p:cNvGrpSpPr/>
         <p:nvPr/>
       </p:nvGrpSpPr>
@@ -920,7 +922,7 @@
       </p:grpSpPr>
       <p:sp>
         <p:nvSpPr>
-          <p:cNvPr id="125" name="Google Shape;125;g3f863cd7d6_2_28:notes"/>
+          <p:cNvPr id="130" name="Google Shape;130;g438d5870ec_0_14:notes"/>
           <p:cNvSpPr/>
           <p:nvPr>
             <p:ph type="sldImg" idx="2"/>
@@ -959,7 +961,7 @@
       </p:sp>
       <p:sp>
         <p:nvSpPr>
-          <p:cNvPr id="126" name="Google Shape;126;g3f863cd7d6_2_28:notes"/>
+          <p:cNvPr id="131" name="Google Shape;131;g438d5870ec_0_14:notes"/>
           <p:cNvSpPr txBox="1"/>
           <p:nvPr>
             <p:ph type="body" idx="1"/>
@@ -1005,7 +1007,7 @@
   <p:cSld>
     <p:spTree>
       <p:nvGrpSpPr>
-        <p:cNvPr id="131" name="Shape 131"/>
+        <p:cNvPr id="136" name="Shape 136"/>
         <p:cNvGrpSpPr/>
         <p:nvPr/>
       </p:nvGrpSpPr>
@@ -1019,7 +1021,7 @@
       </p:grpSpPr>
       <p:sp>
         <p:nvSpPr>
-          <p:cNvPr id="132" name="Google Shape;132;g3f863cd7d6_2_5:notes"/>
+          <p:cNvPr id="137" name="Google Shape;137;g3f863cd7d6_2_0:notes"/>
           <p:cNvSpPr/>
           <p:nvPr>
             <p:ph type="sldImg" idx="2"/>
@@ -1058,7 +1060,7 @@
       </p:sp>
       <p:sp>
         <p:nvSpPr>
-          <p:cNvPr id="133" name="Google Shape;133;g3f863cd7d6_2_5:notes"/>
+          <p:cNvPr id="138" name="Google Shape;138;g3f863cd7d6_2_0:notes"/>
           <p:cNvSpPr txBox="1"/>
           <p:nvPr>
             <p:ph type="body" idx="1"/>
@@ -1104,7 +1106,7 @@
   <p:cSld>
     <p:spTree>
       <p:nvGrpSpPr>
-        <p:cNvPr id="138" name="Shape 138"/>
+        <p:cNvPr id="142" name="Shape 142"/>
         <p:cNvGrpSpPr/>
         <p:nvPr/>
       </p:nvGrpSpPr>
@@ -1118,7 +1120,7 @@
       </p:grpSpPr>
       <p:sp>
         <p:nvSpPr>
-          <p:cNvPr id="139" name="Google Shape;139;g3f81414499_0_110:notes"/>
+          <p:cNvPr id="143" name="Google Shape;143;g3f863cd7d6_2_28:notes"/>
           <p:cNvSpPr/>
           <p:nvPr>
             <p:ph type="sldImg" idx="2"/>
@@ -1157,7 +1159,7 @@
       </p:sp>
       <p:sp>
         <p:nvSpPr>
-          <p:cNvPr id="140" name="Google Shape;140;g3f81414499_0_110:notes"/>
+          <p:cNvPr id="144" name="Google Shape;144;g3f863cd7d6_2_28:notes"/>
           <p:cNvSpPr txBox="1"/>
           <p:nvPr>
             <p:ph type="body" idx="1"/>
@@ -1203,7 +1205,7 @@
   <p:cSld>
     <p:spTree>
       <p:nvGrpSpPr>
-        <p:cNvPr id="144" name="Shape 144"/>
+        <p:cNvPr id="149" name="Shape 149"/>
         <p:cNvGrpSpPr/>
         <p:nvPr/>
       </p:nvGrpSpPr>
@@ -1217,7 +1219,7 @@
       </p:grpSpPr>
       <p:sp>
         <p:nvSpPr>
-          <p:cNvPr id="145" name="Google Shape;145;g3f5d6f0bbc_0_1109:notes"/>
+          <p:cNvPr id="150" name="Google Shape;150;g438d5870ec_0_20:notes"/>
           <p:cNvSpPr/>
           <p:nvPr>
             <p:ph type="sldImg" idx="2"/>
@@ -1256,7 +1258,7 @@
       </p:sp>
       <p:sp>
         <p:nvSpPr>
-          <p:cNvPr id="146" name="Google Shape;146;g3f5d6f0bbc_0_1109:notes"/>
+          <p:cNvPr id="151" name="Google Shape;151;g438d5870ec_0_20:notes"/>
           <p:cNvSpPr txBox="1"/>
           <p:nvPr>
             <p:ph type="body" idx="1"/>
@@ -1302,7 +1304,7 @@
   <p:cSld>
     <p:spTree>
       <p:nvGrpSpPr>
-        <p:cNvPr id="150" name="Shape 150"/>
+        <p:cNvPr id="157" name="Shape 157"/>
         <p:cNvGrpSpPr/>
         <p:nvPr/>
       </p:nvGrpSpPr>
@@ -1316,7 +1318,7 @@
       </p:grpSpPr>
       <p:sp>
         <p:nvSpPr>
-          <p:cNvPr id="151" name="Google Shape;151;g3f7600c834_0_3:notes"/>
+          <p:cNvPr id="158" name="Google Shape;158;g438d5870ec_0_28:notes"/>
           <p:cNvSpPr/>
           <p:nvPr>
             <p:ph type="sldImg" idx="2"/>
@@ -1355,7 +1357,7 @@
       </p:sp>
       <p:sp>
         <p:nvSpPr>
-          <p:cNvPr id="152" name="Google Shape;152;g3f7600c834_0_3:notes"/>
+          <p:cNvPr id="159" name="Google Shape;159;g438d5870ec_0_28:notes"/>
           <p:cNvSpPr txBox="1"/>
           <p:nvPr>
             <p:ph type="body" idx="1"/>
@@ -1401,7 +1403,7 @@
   <p:cSld>
     <p:spTree>
       <p:nvGrpSpPr>
-        <p:cNvPr id="156" name="Shape 156"/>
+        <p:cNvPr id="165" name="Shape 165"/>
         <p:cNvGrpSpPr/>
         <p:nvPr/>
       </p:nvGrpSpPr>
@@ -1415,7 +1417,7 @@
       </p:grpSpPr>
       <p:sp>
         <p:nvSpPr>
-          <p:cNvPr id="157" name="Google Shape;157;g3f5d6f0bbc_0_1114:notes"/>
+          <p:cNvPr id="166" name="Google Shape;166;g3f863cd7d6_2_5:notes"/>
           <p:cNvSpPr/>
           <p:nvPr>
             <p:ph type="sldImg" idx="2"/>
@@ -1454,7 +1456,205 @@
       </p:sp>
       <p:sp>
         <p:nvSpPr>
-          <p:cNvPr id="158" name="Google Shape;158;g3f5d6f0bbc_0_1114:notes"/>
+          <p:cNvPr id="167" name="Google Shape;167;g3f863cd7d6_2_5:notes"/>
+          <p:cNvSpPr txBox="1"/>
+          <p:nvPr>
+            <p:ph type="body" idx="1"/>
+          </p:nvPr>
+        </p:nvSpPr>
+        <p:spPr>
+          <a:xfrm>
+            <a:off x="685800" y="4343400"/>
+            <a:ext cx="5486400" cy="4114800"/>
+          </a:xfrm>
+          <a:prstGeom prst="rect">
+            <a:avLst/>
+          </a:prstGeom>
+        </p:spPr>
+        <p:txBody>
+          <a:bodyPr spcFirstLastPara="1" wrap="square" lIns="91425" tIns="91425" rIns="91425" bIns="91425" anchor="t" anchorCtr="0">
+            <a:noAutofit/>
+          </a:bodyPr>
+          <a:lstStyle/>
+          <a:p>
+            <a:pPr marL="0" lvl="0" indent="0" algn="l" rtl="0">
+              <a:spcBef>
+                <a:spcPts val="0"/>
+              </a:spcBef>
+              <a:spcAft>
+                <a:spcPts val="0"/>
+              </a:spcAft>
+              <a:buNone/>
+            </a:pPr>
+          </a:p>
+        </p:txBody>
+      </p:sp>
+    </p:spTree>
+  </p:cSld>
+  <p:clrMapOvr>
+    <a:masterClrMapping/>
+  </p:clrMapOvr>
+</p:notes>
+</file>
+
+<file path=ppt/notesSlides/notesSlide17.xml><?xml version="1.0" encoding="utf-8"?>
+<p:notes xmlns:a="http://schemas.openxmlformats.org/drawingml/2006/main" xmlns:r="http://schemas.openxmlformats.org/officeDocument/2006/relationships" xmlns:p="http://schemas.openxmlformats.org/presentationml/2006/main" showMasterPhAnim="0" showMasterSp="0">
+  <p:cSld>
+    <p:spTree>
+      <p:nvGrpSpPr>
+        <p:cNvPr id="178" name="Shape 178"/>
+        <p:cNvGrpSpPr/>
+        <p:nvPr/>
+      </p:nvGrpSpPr>
+      <p:grpSpPr>
+        <a:xfrm>
+          <a:off x="0" y="0"/>
+          <a:ext cx="0" cy="0"/>
+          <a:chOff x="0" y="0"/>
+          <a:chExt cx="0" cy="0"/>
+        </a:xfrm>
+      </p:grpSpPr>
+      <p:sp>
+        <p:nvSpPr>
+          <p:cNvPr id="179" name="Google Shape;179;g3f7600c834_0_3:notes"/>
+          <p:cNvSpPr/>
+          <p:nvPr>
+            <p:ph type="sldImg" idx="2"/>
+          </p:nvPr>
+        </p:nvSpPr>
+        <p:spPr>
+          <a:xfrm>
+            <a:off x="381300" y="685800"/>
+            <a:ext cx="6096000" cy="3429000"/>
+          </a:xfrm>
+          <a:custGeom>
+            <a:avLst/>
+            <a:gdLst/>
+            <a:ahLst/>
+            <a:cxnLst/>
+            <a:rect l="l" t="t" r="r" b="b"/>
+            <a:pathLst>
+              <a:path w="120000" h="120000" extrusionOk="0">
+                <a:moveTo>
+                  <a:pt x="0" y="0"/>
+                </a:moveTo>
+                <a:lnTo>
+                  <a:pt x="120000" y="0"/>
+                </a:lnTo>
+                <a:lnTo>
+                  <a:pt x="120000" y="120000"/>
+                </a:lnTo>
+                <a:lnTo>
+                  <a:pt x="0" y="120000"/>
+                </a:lnTo>
+                <a:close/>
+              </a:path>
+            </a:pathLst>
+          </a:custGeom>
+        </p:spPr>
+      </p:sp>
+      <p:sp>
+        <p:nvSpPr>
+          <p:cNvPr id="180" name="Google Shape;180;g3f7600c834_0_3:notes"/>
+          <p:cNvSpPr txBox="1"/>
+          <p:nvPr>
+            <p:ph type="body" idx="1"/>
+          </p:nvPr>
+        </p:nvSpPr>
+        <p:spPr>
+          <a:xfrm>
+            <a:off x="685800" y="4343400"/>
+            <a:ext cx="5486400" cy="4114800"/>
+          </a:xfrm>
+          <a:prstGeom prst="rect">
+            <a:avLst/>
+          </a:prstGeom>
+        </p:spPr>
+        <p:txBody>
+          <a:bodyPr spcFirstLastPara="1" wrap="square" lIns="91425" tIns="91425" rIns="91425" bIns="91425" anchor="t" anchorCtr="0">
+            <a:noAutofit/>
+          </a:bodyPr>
+          <a:lstStyle/>
+          <a:p>
+            <a:pPr marL="0" lvl="0" indent="0" algn="l" rtl="0">
+              <a:spcBef>
+                <a:spcPts val="0"/>
+              </a:spcBef>
+              <a:spcAft>
+                <a:spcPts val="0"/>
+              </a:spcAft>
+              <a:buNone/>
+            </a:pPr>
+          </a:p>
+        </p:txBody>
+      </p:sp>
+    </p:spTree>
+  </p:cSld>
+  <p:clrMapOvr>
+    <a:masterClrMapping/>
+  </p:clrMapOvr>
+</p:notes>
+</file>
+
+<file path=ppt/notesSlides/notesSlide18.xml><?xml version="1.0" encoding="utf-8"?>
+<p:notes xmlns:a="http://schemas.openxmlformats.org/drawingml/2006/main" xmlns:r="http://schemas.openxmlformats.org/officeDocument/2006/relationships" xmlns:p="http://schemas.openxmlformats.org/presentationml/2006/main" showMasterPhAnim="0" showMasterSp="0">
+  <p:cSld>
+    <p:spTree>
+      <p:nvGrpSpPr>
+        <p:cNvPr id="184" name="Shape 184"/>
+        <p:cNvGrpSpPr/>
+        <p:nvPr/>
+      </p:nvGrpSpPr>
+      <p:grpSpPr>
+        <a:xfrm>
+          <a:off x="0" y="0"/>
+          <a:ext cx="0" cy="0"/>
+          <a:chOff x="0" y="0"/>
+          <a:chExt cx="0" cy="0"/>
+        </a:xfrm>
+      </p:grpSpPr>
+      <p:sp>
+        <p:nvSpPr>
+          <p:cNvPr id="185" name="Google Shape;185;g3f5d6f0bbc_0_1114:notes"/>
+          <p:cNvSpPr/>
+          <p:nvPr>
+            <p:ph type="sldImg" idx="2"/>
+          </p:nvPr>
+        </p:nvSpPr>
+        <p:spPr>
+          <a:xfrm>
+            <a:off x="381300" y="685800"/>
+            <a:ext cx="6096000" cy="3429000"/>
+          </a:xfrm>
+          <a:custGeom>
+            <a:avLst/>
+            <a:gdLst/>
+            <a:ahLst/>
+            <a:cxnLst/>
+            <a:rect l="l" t="t" r="r" b="b"/>
+            <a:pathLst>
+              <a:path w="120000" h="120000" extrusionOk="0">
+                <a:moveTo>
+                  <a:pt x="0" y="0"/>
+                </a:moveTo>
+                <a:lnTo>
+                  <a:pt x="120000" y="0"/>
+                </a:lnTo>
+                <a:lnTo>
+                  <a:pt x="120000" y="120000"/>
+                </a:lnTo>
+                <a:lnTo>
+                  <a:pt x="0" y="120000"/>
+                </a:lnTo>
+                <a:close/>
+              </a:path>
+            </a:pathLst>
+          </a:custGeom>
+        </p:spPr>
+      </p:sp>
+      <p:sp>
+        <p:nvSpPr>
+          <p:cNvPr id="186" name="Google Shape;186;g3f5d6f0bbc_0_1114:notes"/>
           <p:cNvSpPr txBox="1"/>
           <p:nvPr>
             <p:ph type="body" idx="1"/>
@@ -2094,7 +2294,7 @@
   <p:cSld>
     <p:spTree>
       <p:nvGrpSpPr>
-        <p:cNvPr id="103" name="Shape 103"/>
+        <p:cNvPr id="102" name="Shape 102"/>
         <p:cNvGrpSpPr/>
         <p:nvPr/>
       </p:nvGrpSpPr>
@@ -2108,7 +2308,7 @@
       </p:grpSpPr>
       <p:sp>
         <p:nvSpPr>
-          <p:cNvPr id="104" name="Google Shape;104;g3f863cd7d6_2_15:notes"/>
+          <p:cNvPr id="103" name="Google Shape;103;g3f863cd7d6_2_15:notes"/>
           <p:cNvSpPr/>
           <p:nvPr>
             <p:ph type="sldImg" idx="2"/>
@@ -2147,7 +2347,7 @@
       </p:sp>
       <p:sp>
         <p:nvSpPr>
-          <p:cNvPr id="105" name="Google Shape;105;g3f863cd7d6_2_15:notes"/>
+          <p:cNvPr id="104" name="Google Shape;104;g3f863cd7d6_2_15:notes"/>
           <p:cNvSpPr txBox="1"/>
           <p:nvPr>
             <p:ph type="body" idx="1"/>
@@ -2193,7 +2393,7 @@
   <p:cSld>
     <p:spTree>
       <p:nvGrpSpPr>
-        <p:cNvPr id="110" name="Shape 110"/>
+        <p:cNvPr id="109" name="Shape 109"/>
         <p:cNvGrpSpPr/>
         <p:nvPr/>
       </p:nvGrpSpPr>
@@ -2207,7 +2407,7 @@
       </p:grpSpPr>
       <p:sp>
         <p:nvSpPr>
-          <p:cNvPr id="111" name="Google Shape;111;g3f863cd7d6_2_21:notes"/>
+          <p:cNvPr id="110" name="Google Shape;110;g3f863cd7d6_2_21:notes"/>
           <p:cNvSpPr/>
           <p:nvPr>
             <p:ph type="sldImg" idx="2"/>
@@ -2246,7 +2446,7 @@
       </p:sp>
       <p:sp>
         <p:nvSpPr>
-          <p:cNvPr id="112" name="Google Shape;112;g3f863cd7d6_2_21:notes"/>
+          <p:cNvPr id="111" name="Google Shape;111;g3f863cd7d6_2_21:notes"/>
           <p:cNvSpPr txBox="1"/>
           <p:nvPr>
             <p:ph type="body" idx="1"/>
@@ -7473,8 +7673,8 @@
         </p:nvSpPr>
         <p:spPr>
           <a:xfrm>
-            <a:off x="462915" y="1387475"/>
-            <a:ext cx="8221980" cy="1860550"/>
+            <a:off x="434340" y="2223135"/>
+            <a:ext cx="8222100" cy="933600"/>
           </a:xfrm>
           <a:prstGeom prst="rect">
             <a:avLst/>
@@ -7496,10 +7696,10 @@
               <a:buNone/>
             </a:pPr>
             <a:r>
-              <a:rPr lang="pt-BR" sz="5400"/>
+              <a:rPr lang="pt-BR" sz="6000"/>
               <a:t>Árvore 2-3-4</a:t>
             </a:r>
-            <a:endParaRPr lang="pt-BR" sz="5400"/>
+            <a:endParaRPr sz="6000"/>
           </a:p>
         </p:txBody>
       </p:sp>
@@ -7513,8 +7713,8 @@
         </p:nvSpPr>
         <p:spPr>
           <a:xfrm>
-            <a:off x="730250" y="3419475"/>
-            <a:ext cx="7687945" cy="783590"/>
+            <a:off x="728355" y="3298630"/>
+            <a:ext cx="7688100" cy="1368000"/>
           </a:xfrm>
           <a:prstGeom prst="rect">
             <a:avLst/>
@@ -7565,7 +7765,7 @@
         </p:nvSpPr>
         <p:spPr>
           <a:xfrm>
-            <a:off x="1740700" y="2184895"/>
+            <a:off x="1711490" y="2222995"/>
             <a:ext cx="5667600" cy="933600"/>
           </a:xfrm>
           <a:prstGeom prst="rect">
@@ -7608,7 +7808,7 @@
   <p:cSld>
     <p:spTree>
       <p:nvGrpSpPr>
-        <p:cNvPr id="120" name="Shape 120"/>
+        <p:cNvPr id="119" name="Shape 119"/>
         <p:cNvGrpSpPr/>
         <p:nvPr/>
       </p:nvGrpSpPr>
@@ -7622,7 +7822,7 @@
       </p:grpSpPr>
       <p:sp>
         <p:nvSpPr>
-          <p:cNvPr id="121" name="Google Shape;121;p22"/>
+          <p:cNvPr id="120" name="Google Shape;120;p22"/>
           <p:cNvSpPr txBox="1"/>
           <p:nvPr>
             <p:ph type="title"/>
@@ -7630,7 +7830,7 @@
         </p:nvSpPr>
         <p:spPr>
           <a:xfrm>
-            <a:off x="351100" y="2285400"/>
+            <a:off x="311700" y="445025"/>
             <a:ext cx="8520600" cy="572700"/>
           </a:xfrm>
           <a:prstGeom prst="rect">
@@ -7652,52 +7852,12 @@
               </a:spcAft>
               <a:buNone/>
             </a:pPr>
-            <a:r>
-              <a:rPr lang="pt-BR"/>
-              <a:t>Remover 2-3-4</a:t>
-            </a:r>
-            <a:endParaRPr lang="pt-BR"/>
-          </a:p>
-        </p:txBody>
-      </p:sp>
-      <p:sp>
-        <p:nvSpPr>
-          <p:cNvPr id="122" name="Google Shape;122;p22"/>
-          <p:cNvSpPr txBox="1"/>
-          <p:nvPr>
-            <p:ph type="body" idx="1"/>
-          </p:nvPr>
-        </p:nvSpPr>
-        <p:spPr>
-          <a:xfrm>
-            <a:off x="311700" y="1152475"/>
-            <a:ext cx="8520600" cy="3416400"/>
-          </a:xfrm>
-          <a:prstGeom prst="rect">
-            <a:avLst/>
-          </a:prstGeom>
-        </p:spPr>
-        <p:txBody>
-          <a:bodyPr spcFirstLastPara="1" wrap="square" lIns="91425" tIns="91425" rIns="91425" bIns="91425" anchor="t" anchorCtr="0">
-            <a:noAutofit/>
-          </a:bodyPr>
-          <a:lstStyle/>
-          <a:p>
-            <a:pPr marL="0" lvl="0" indent="0" algn="l" rtl="0">
-              <a:spcBef>
-                <a:spcPts val="0"/>
-              </a:spcBef>
-              <a:spcAft>
-                <a:spcPts val="1600"/>
-              </a:spcAft>
-              <a:buNone/>
-            </a:pPr>
           </a:p>
         </p:txBody>
       </p:sp>
       <p:pic>
         <p:nvPicPr>
-          <p:cNvPr id="123" name="Google Shape;123;p22"/>
+          <p:cNvPr id="121" name="Google Shape;121;p22"/>
           <p:cNvPicPr preferRelativeResize="0"/>
           <p:nvPr/>
         </p:nvPicPr>
@@ -7709,8 +7869,8 @@
         </p:blipFill>
         <p:spPr>
           <a:xfrm>
-            <a:off x="3153300" y="0"/>
-            <a:ext cx="4992049" cy="5143499"/>
+            <a:off x="0" y="0"/>
+            <a:ext cx="4521500" cy="5143500"/>
           </a:xfrm>
           <a:prstGeom prst="rect">
             <a:avLst/>
@@ -7721,6 +7881,82 @@
           </a:ln>
         </p:spPr>
       </p:pic>
+      <p:sp>
+        <p:nvSpPr>
+          <p:cNvPr id="122" name="Google Shape;122;p22"/>
+          <p:cNvSpPr txBox="1"/>
+          <p:nvPr/>
+        </p:nvSpPr>
+        <p:spPr>
+          <a:xfrm>
+            <a:off x="4712875" y="3803700"/>
+            <a:ext cx="4174500" cy="1339800"/>
+          </a:xfrm>
+          <a:prstGeom prst="rect">
+            <a:avLst/>
+          </a:prstGeom>
+          <a:noFill/>
+          <a:ln>
+            <a:noFill/>
+          </a:ln>
+        </p:spPr>
+        <p:txBody>
+          <a:bodyPr spcFirstLastPara="1" wrap="square" lIns="91425" tIns="91425" rIns="91425" bIns="91425" anchor="t" anchorCtr="0">
+            <a:noAutofit/>
+          </a:bodyPr>
+          <a:lstStyle/>
+          <a:p>
+            <a:pPr marL="0" lvl="0" indent="0" algn="l" rtl="0">
+              <a:spcBef>
+                <a:spcPts val="0"/>
+              </a:spcBef>
+              <a:spcAft>
+                <a:spcPts val="0"/>
+              </a:spcAft>
+              <a:buNone/>
+            </a:pPr>
+            <a:r>
+              <a:rPr lang="pt-BR">
+                <a:solidFill>
+                  <a:srgbClr val="FFFFFF"/>
+                </a:solidFill>
+              </a:rPr>
+              <a:t>foto retirada: &lt;</a:t>
+            </a:r>
+            <a:r>
+              <a:rPr lang="pt-BR">
+                <a:solidFill>
+                  <a:schemeClr val="hlink"/>
+                </a:solidFill>
+                <a:hlinkClick r:id="rId2"/>
+              </a:rPr>
+              <a:t>https://www.ime.usp.br/~pf/estruturas-de-dados/aulas/st-twothree.htm</a:t>
+            </a:r>
+            <a:r>
+              <a:rPr lang="pt-BR">
+                <a:solidFill>
+                  <a:srgbClr val="FFFFFF"/>
+                </a:solidFill>
+                <a:hlinkClick r:id="rId2"/>
+              </a:rPr>
+              <a:t>l</a:t>
+            </a:r>
+            <a:r>
+              <a:rPr lang="pt-BR">
+                <a:solidFill>
+                  <a:srgbClr val="FFFFFF"/>
+                </a:solidFill>
+              </a:rPr>
+              <a:t>&gt; Acessado em: 27 de setembro de 2018.</a:t>
+            </a:r>
+            <a:endParaRPr>
+              <a:solidFill>
+                <a:srgbClr val="FFFFFF"/>
+              </a:solidFill>
+            </a:endParaRPr>
+          </a:p>
+        </p:txBody>
+      </p:sp>
     </p:spTree>
   </p:cSld>
   <p:clrMapOvr>
@@ -7734,7 +7970,194 @@
   <p:cSld>
     <p:spTree>
       <p:nvGrpSpPr>
-        <p:cNvPr id="127" name="Shape 127"/>
+        <p:cNvPr id="132" name="Shape 132"/>
+        <p:cNvGrpSpPr/>
+        <p:nvPr/>
+      </p:nvGrpSpPr>
+      <p:grpSpPr>
+        <a:xfrm>
+          <a:off x="0" y="0"/>
+          <a:ext cx="0" cy="0"/>
+          <a:chOff x="0" y="0"/>
+          <a:chExt cx="0" cy="0"/>
+        </a:xfrm>
+      </p:grpSpPr>
+      <p:pic>
+        <p:nvPicPr>
+          <p:cNvPr id="1" name="e022652fbf04c170600796993025c0574fecc">
+            <a:hlinkClick r:id="" action="ppaction://media"/>
+          </p:cNvPr>
+          <p:cNvPicPr/>
+          <p:nvPr>
+            <a:videoFile r:link="rId1"/>
+            <p:extLst>
+              <p:ext uri="{DAA4B4D4-6D71-4841-9C94-3DE7FCFB9230}">
+                <p14:media xmlns:p14="http://schemas.microsoft.com/office/powerpoint/2010/main" r:embed="rId2"/>
+              </p:ext>
+            </p:extLst>
+          </p:nvPr>
+        </p:nvPicPr>
+        <p:blipFill>
+          <a:blip r:embed="rId3"/>
+          <a:stretch>
+            <a:fillRect/>
+          </a:stretch>
+        </p:blipFill>
+        <p:spPr>
+          <a:xfrm>
+            <a:off x="1333500" y="935990"/>
+            <a:ext cx="6598920" cy="4206875"/>
+          </a:xfrm>
+          <a:prstGeom prst="rect">
+            <a:avLst/>
+          </a:prstGeom>
+        </p:spPr>
+      </p:pic>
+      <p:sp>
+        <p:nvSpPr>
+          <p:cNvPr id="127" name="Google Shape;127;p23"/>
+          <p:cNvSpPr txBox="1"/>
+          <p:nvPr>
+            <p:ph type="title"/>
+          </p:nvPr>
+        </p:nvSpPr>
+        <p:spPr>
+          <a:xfrm>
+            <a:off x="250105" y="230395"/>
+            <a:ext cx="8520600" cy="572700"/>
+          </a:xfrm>
+          <a:prstGeom prst="rect">
+            <a:avLst/>
+          </a:prstGeom>
+        </p:spPr>
+        <p:txBody>
+          <a:bodyPr spcFirstLastPara="1" wrap="square" lIns="91425" tIns="91425" rIns="91425" bIns="91425" anchor="t" anchorCtr="0">
+            <a:noAutofit/>
+          </a:bodyPr>
+          <a:p>
+            <a:pPr marL="0" lvl="0" indent="0" algn="l" rtl="0">
+              <a:spcBef>
+                <a:spcPts val="0"/>
+              </a:spcBef>
+              <a:spcAft>
+                <a:spcPts val="0"/>
+              </a:spcAft>
+              <a:buNone/>
+            </a:pPr>
+            <a:r>
+              <a:rPr lang="pt-BR"/>
+              <a:t>Animação da Estrutura</a:t>
+            </a:r>
+            <a:endParaRPr lang="pt-BR"/>
+          </a:p>
+        </p:txBody>
+      </p:sp>
+    </p:spTree>
+  </p:cSld>
+  <p:clrMapOvr>
+    <a:masterClrMapping/>
+  </p:clrMapOvr>
+  <p:timing>
+    <p:tnLst>
+      <p:par>
+        <p:cTn id="1" dur="indefinite" restart="never" nodeType="tmRoot">
+          <p:childTnLst>
+            <p:video fullScrn="0">
+              <p:cMediaNode>
+                <p:cTn id="2" fill="hold" display="1">
+                  <p:stCondLst>
+                    <p:cond delay="indefinite"/>
+                  </p:stCondLst>
+                  <p:endCondLst>
+                    <p:cond evt="onNext">
+                      <p:tgtEl>
+                        <p:sldTgt/>
+                      </p:tgtEl>
+                    </p:cond>
+                    <p:cond evt="onPrev">
+                      <p:tgtEl>
+                        <p:sldTgt/>
+                      </p:tgtEl>
+                    </p:cond>
+                  </p:endCondLst>
+                </p:cTn>
+                <p:tgtEl>
+                  <p:spTgt spid="1"/>
+                </p:tgtEl>
+              </p:cMediaNode>
+            </p:video>
+            <p:seq concurrent="1" nextAc="seek">
+              <p:cTn id="3" restart="whenNotActive" fill="hold" evtFilter="cancelBubble" nodeType="interactiveSeq">
+                <p:stCondLst>
+                  <p:cond evt="onClick" delay="0">
+                    <p:tgtEl>
+                      <p:spTgt spid="1"/>
+                    </p:tgtEl>
+                  </p:cond>
+                </p:stCondLst>
+                <p:endSync evt="end" delay="0">
+                  <p:rtn val="all"/>
+                </p:endSync>
+                <p:childTnLst>
+                  <p:par>
+                    <p:cTn id="4" fill="hold">
+                      <p:stCondLst>
+                        <p:cond delay="0"/>
+                      </p:stCondLst>
+                      <p:childTnLst>
+                        <p:par>
+                          <p:cTn id="5" fill="hold">
+                            <p:stCondLst>
+                              <p:cond delay="0"/>
+                            </p:stCondLst>
+                            <p:childTnLst>
+                              <p:par>
+                                <p:cTn id="6" presetID="2" presetClass="mediacall" presetSubtype="0" fill="hold" nodeType="clickEffect">
+                                  <p:stCondLst>
+                                    <p:cond delay="0"/>
+                                  </p:stCondLst>
+                                  <p:childTnLst>
+                                    <p:cmd type="call" cmd="togglePause">
+                                      <p:cBhvr additive="base">
+                                        <p:cTn id="7" dur="1" fill="hold"/>
+                                        <p:tgtEl>
+                                          <p:spTgt spid="1"/>
+                                        </p:tgtEl>
+                                      </p:cBhvr>
+                                    </p:cmd>
+                                  </p:childTnLst>
+                                </p:cTn>
+                              </p:par>
+                            </p:childTnLst>
+                          </p:cTn>
+                        </p:par>
+                      </p:childTnLst>
+                    </p:cTn>
+                  </p:par>
+                </p:childTnLst>
+              </p:cTn>
+              <p:nextCondLst>
+                <p:cond evt="onClick" delay="0">
+                  <p:tgtEl>
+                    <p:spTgt spid="1"/>
+                  </p:tgtEl>
+                </p:cond>
+              </p:nextCondLst>
+            </p:seq>
+          </p:childTnLst>
+        </p:cTn>
+      </p:par>
+    </p:tnLst>
+  </p:timing>
+</p:sld>
+</file>
+
+<file path=ppt/slides/slide12.xml><?xml version="1.0" encoding="utf-8"?>
+<p:sld xmlns:a="http://schemas.openxmlformats.org/drawingml/2006/main" xmlns:r="http://schemas.openxmlformats.org/officeDocument/2006/relationships" xmlns:p="http://schemas.openxmlformats.org/presentationml/2006/main">
+  <p:cSld>
+    <p:spTree>
+      <p:nvGrpSpPr>
+        <p:cNvPr id="139" name="Shape 139"/>
         <p:cNvGrpSpPr/>
         <p:nvPr/>
       </p:nvGrpSpPr>
@@ -7748,7 +8171,7 @@
       </p:grpSpPr>
       <p:sp>
         <p:nvSpPr>
-          <p:cNvPr id="128" name="Google Shape;128;p23"/>
+          <p:cNvPr id="140" name="Google Shape;140;p25"/>
           <p:cNvSpPr txBox="1"/>
           <p:nvPr>
             <p:ph type="title"/>
@@ -7756,7 +8179,7 @@
         </p:nvSpPr>
         <p:spPr>
           <a:xfrm>
-            <a:off x="311700" y="445025"/>
+            <a:off x="96465" y="2285400"/>
             <a:ext cx="8520600" cy="572700"/>
           </a:xfrm>
           <a:prstGeom prst="rect">
@@ -7778,47 +8201,17 @@
               </a:spcAft>
               <a:buNone/>
             </a:pPr>
-          </a:p>
-        </p:txBody>
-      </p:sp>
-      <p:sp>
-        <p:nvSpPr>
-          <p:cNvPr id="129" name="Google Shape;129;p23"/>
-          <p:cNvSpPr txBox="1"/>
-          <p:nvPr>
-            <p:ph type="body" idx="1"/>
-          </p:nvPr>
-        </p:nvSpPr>
-        <p:spPr>
-          <a:xfrm>
-            <a:off x="311700" y="1152475"/>
-            <a:ext cx="8520600" cy="3416400"/>
-          </a:xfrm>
-          <a:prstGeom prst="rect">
-            <a:avLst/>
-          </a:prstGeom>
-        </p:spPr>
-        <p:txBody>
-          <a:bodyPr spcFirstLastPara="1" wrap="square" lIns="91425" tIns="91425" rIns="91425" bIns="91425" anchor="t" anchorCtr="0">
-            <a:noAutofit/>
-          </a:bodyPr>
-          <a:lstStyle/>
-          <a:p>
-            <a:pPr marL="0" lvl="0" indent="0" algn="l" rtl="0">
-              <a:spcBef>
-                <a:spcPts val="0"/>
-              </a:spcBef>
-              <a:spcAft>
-                <a:spcPts val="1600"/>
-              </a:spcAft>
-              <a:buNone/>
-            </a:pPr>
+            <a:r>
+              <a:rPr lang="pt-BR"/>
+              <a:t>Remover 2-3-4</a:t>
+            </a:r>
+            <a:endParaRPr lang="pt-BR"/>
           </a:p>
         </p:txBody>
       </p:sp>
       <p:pic>
         <p:nvPicPr>
-          <p:cNvPr id="130" name="Google Shape;130;p23"/>
+          <p:cNvPr id="141" name="Google Shape;141;p25"/>
           <p:cNvPicPr preferRelativeResize="0"/>
           <p:nvPr/>
         </p:nvPicPr>
@@ -7830,135 +8223,8 @@
         </p:blipFill>
         <p:spPr>
           <a:xfrm>
-            <a:off x="524578" y="0"/>
-            <a:ext cx="8094844" cy="5143500"/>
-          </a:xfrm>
-          <a:prstGeom prst="rect">
-            <a:avLst/>
-          </a:prstGeom>
-          <a:noFill/>
-          <a:ln>
-            <a:noFill/>
-          </a:ln>
-        </p:spPr>
-      </p:pic>
-    </p:spTree>
-  </p:cSld>
-  <p:clrMapOvr>
-    <a:masterClrMapping/>
-  </p:clrMapOvr>
-</p:sld>
-</file>
-
-<file path=ppt/slides/slide12.xml><?xml version="1.0" encoding="utf-8"?>
-<p:sld xmlns:a="http://schemas.openxmlformats.org/drawingml/2006/main" xmlns:r="http://schemas.openxmlformats.org/officeDocument/2006/relationships" xmlns:p="http://schemas.openxmlformats.org/presentationml/2006/main">
-  <p:cSld>
-    <p:spTree>
-      <p:nvGrpSpPr>
-        <p:cNvPr id="134" name="Shape 134"/>
-        <p:cNvGrpSpPr/>
-        <p:nvPr/>
-      </p:nvGrpSpPr>
-      <p:grpSpPr>
-        <a:xfrm>
-          <a:off x="0" y="0"/>
-          <a:ext cx="0" cy="0"/>
-          <a:chOff x="0" y="0"/>
-          <a:chExt cx="0" cy="0"/>
-        </a:xfrm>
-      </p:grpSpPr>
-      <p:sp>
-        <p:nvSpPr>
-          <p:cNvPr id="135" name="Google Shape;135;p24"/>
-          <p:cNvSpPr txBox="1"/>
-          <p:nvPr>
-            <p:ph type="title"/>
-          </p:nvPr>
-        </p:nvSpPr>
-        <p:spPr>
-          <a:xfrm>
-            <a:off x="311700" y="2285400"/>
-            <a:ext cx="8520600" cy="572700"/>
-          </a:xfrm>
-          <a:prstGeom prst="rect">
-            <a:avLst/>
-          </a:prstGeom>
-        </p:spPr>
-        <p:txBody>
-          <a:bodyPr spcFirstLastPara="1" wrap="square" lIns="91425" tIns="91425" rIns="91425" bIns="91425" anchor="t" anchorCtr="0">
-            <a:noAutofit/>
-          </a:bodyPr>
-          <a:lstStyle/>
-          <a:p>
-            <a:pPr marL="0" lvl="0" indent="0" algn="l" rtl="0">
-              <a:spcBef>
-                <a:spcPts val="0"/>
-              </a:spcBef>
-              <a:spcAft>
-                <a:spcPts val="0"/>
-              </a:spcAft>
-              <a:buNone/>
-            </a:pPr>
-            <a:r>
-              <a:rPr lang="pt-BR"/>
-              <a:t>Realoca 2-3-4</a:t>
-            </a:r>
-            <a:endParaRPr lang="pt-BR"/>
-          </a:p>
-        </p:txBody>
-      </p:sp>
-      <p:sp>
-        <p:nvSpPr>
-          <p:cNvPr id="136" name="Google Shape;136;p24"/>
-          <p:cNvSpPr txBox="1"/>
-          <p:nvPr>
-            <p:ph type="body" idx="1"/>
-          </p:nvPr>
-        </p:nvSpPr>
-        <p:spPr>
-          <a:xfrm>
-            <a:off x="311700" y="1152475"/>
-            <a:ext cx="8520600" cy="3416400"/>
-          </a:xfrm>
-          <a:prstGeom prst="rect">
-            <a:avLst/>
-          </a:prstGeom>
-        </p:spPr>
-        <p:txBody>
-          <a:bodyPr spcFirstLastPara="1" wrap="square" lIns="91425" tIns="91425" rIns="91425" bIns="91425" anchor="t" anchorCtr="0">
-            <a:noAutofit/>
-          </a:bodyPr>
-          <a:lstStyle/>
-          <a:p>
-            <a:pPr marL="0" lvl="0" indent="0" algn="l" rtl="0">
-              <a:spcBef>
-                <a:spcPts val="0"/>
-              </a:spcBef>
-              <a:spcAft>
-                <a:spcPts val="1600"/>
-              </a:spcAft>
-              <a:buNone/>
-            </a:pPr>
-          </a:p>
-        </p:txBody>
-      </p:sp>
-      <p:pic>
-        <p:nvPicPr>
-          <p:cNvPr id="137" name="Google Shape;137;p24"/>
-          <p:cNvPicPr preferRelativeResize="0"/>
-          <p:nvPr/>
-        </p:nvPicPr>
-        <p:blipFill rotWithShape="1">
-          <a:blip r:embed="rId1"/>
-          <a:srcRect/>
-          <a:stretch>
-            <a:fillRect/>
-          </a:stretch>
-        </p:blipFill>
-        <p:spPr>
-          <a:xfrm>
-            <a:off x="3037600" y="0"/>
-            <a:ext cx="7326474" cy="5143500"/>
+            <a:off x="3153300" y="0"/>
+            <a:ext cx="4992049" cy="5143499"/>
           </a:xfrm>
           <a:prstGeom prst="rect">
             <a:avLst/>
@@ -7982,7 +8248,7 @@
   <p:cSld>
     <p:spTree>
       <p:nvGrpSpPr>
-        <p:cNvPr id="141" name="Shape 141"/>
+        <p:cNvPr id="145" name="Shape 145"/>
         <p:cNvGrpSpPr/>
         <p:nvPr/>
       </p:nvGrpSpPr>
@@ -7996,7 +8262,7 @@
       </p:grpSpPr>
       <p:sp>
         <p:nvSpPr>
-          <p:cNvPr id="142" name="Google Shape;142;p25"/>
+          <p:cNvPr id="146" name="Google Shape;146;p26"/>
           <p:cNvSpPr txBox="1"/>
           <p:nvPr>
             <p:ph type="title"/>
@@ -8026,17 +8292,12 @@
               </a:spcAft>
               <a:buNone/>
             </a:pPr>
-            <a:r>
-              <a:rPr lang="pt-BR"/>
-              <a:t>Busca de dados:</a:t>
-            </a:r>
-            <a:endParaRPr lang="pt-BR"/>
           </a:p>
         </p:txBody>
       </p:sp>
       <p:sp>
         <p:nvSpPr>
-          <p:cNvPr id="143" name="Google Shape;143;p25"/>
+          <p:cNvPr id="147" name="Google Shape;147;p26"/>
           <p:cNvSpPr txBox="1"/>
           <p:nvPr>
             <p:ph type="body" idx="1"/>
@@ -8044,8 +8305,8 @@
         </p:nvSpPr>
         <p:spPr>
           <a:xfrm>
-            <a:off x="311700" y="1069150"/>
-            <a:ext cx="8520600" cy="3848400"/>
+            <a:off x="311700" y="1152475"/>
+            <a:ext cx="8520600" cy="3416400"/>
           </a:xfrm>
           <a:prstGeom prst="rect">
             <a:avLst/>
@@ -8057,129 +8318,6 @@
           </a:bodyPr>
           <a:lstStyle/>
           <a:p>
-            <a:pPr marL="0" lvl="0" indent="457200" algn="l" rtl="0">
-              <a:spcBef>
-                <a:spcPts val="0"/>
-              </a:spcBef>
-              <a:spcAft>
-                <a:spcPts val="0"/>
-              </a:spcAft>
-              <a:buNone/>
-            </a:pPr>
-            <a:r>
-              <a:rPr lang="pt-BR"/>
-              <a:t>A busca do item de um dado se inicia na raiz . Se a chave de procura não for encontrada lá, seleciona-se um link para a subárvore com a seqüência apropriada de valores.</a:t>
-            </a:r>
-            <a:endParaRPr lang="pt-BR"/>
-          </a:p>
-          <a:p>
-            <a:pPr marL="0" lvl="0" indent="457200" algn="l" rtl="0">
-              <a:spcBef>
-                <a:spcPts val="0"/>
-              </a:spcBef>
-              <a:spcAft>
-                <a:spcPts val="0"/>
-              </a:spcAft>
-              <a:buNone/>
-            </a:pPr>
-            <a:r>
-              <a:rPr lang="pt-BR"/>
-              <a:t>Para tornar a operação de busca mais clara vamos efetuá-la buscando o valor-chave 84 na árvore abaixo. Para isso seguiremos os seguintes passos:</a:t>
-            </a:r>
-            <a:endParaRPr lang="pt-BR"/>
-          </a:p>
-          <a:p>
-            <a:pPr marL="0" lvl="0" indent="0" algn="l" rtl="0">
-              <a:spcBef>
-                <a:spcPts val="0"/>
-              </a:spcBef>
-              <a:spcAft>
-                <a:spcPts val="0"/>
-              </a:spcAft>
-              <a:buNone/>
-            </a:pPr>
-          </a:p>
-          <a:p>
-            <a:pPr marL="0" lvl="0" indent="0" algn="l" rtl="0">
-              <a:spcBef>
-                <a:spcPts val="0"/>
-              </a:spcBef>
-              <a:spcAft>
-                <a:spcPts val="0"/>
-              </a:spcAft>
-              <a:buNone/>
-            </a:pPr>
-            <a:r>
-              <a:rPr lang="pt-BR"/>
-              <a:t>1) Iniciamos a busca na raiz;</a:t>
-            </a:r>
-            <a:endParaRPr lang="pt-BR"/>
-          </a:p>
-          <a:p>
-            <a:pPr marL="0" lvl="0" indent="0" algn="l" rtl="0">
-              <a:spcBef>
-                <a:spcPts val="0"/>
-              </a:spcBef>
-              <a:spcAft>
-                <a:spcPts val="0"/>
-              </a:spcAft>
-              <a:buNone/>
-            </a:pPr>
-            <a:r>
-              <a:rPr lang="pt-BR"/>
-              <a:t>2) Comparamos o valor-chave com a raiz;</a:t>
-            </a:r>
-            <a:endParaRPr lang="pt-BR"/>
-          </a:p>
-          <a:p>
-            <a:pPr marL="0" lvl="0" indent="0" algn="l" rtl="0">
-              <a:spcBef>
-                <a:spcPts val="0"/>
-              </a:spcBef>
-              <a:spcAft>
-                <a:spcPts val="0"/>
-              </a:spcAft>
-              <a:buNone/>
-            </a:pPr>
-            <a:r>
-              <a:rPr lang="pt-BR"/>
-              <a:t>3) Como 84 é maior que 50, continuamos a busca no filho da direita;</a:t>
-            </a:r>
-            <a:endParaRPr lang="pt-BR"/>
-          </a:p>
-          <a:p>
-            <a:pPr marL="0" lvl="0" indent="0" algn="l" rtl="0">
-              <a:spcBef>
-                <a:spcPts val="0"/>
-              </a:spcBef>
-              <a:spcAft>
-                <a:spcPts val="0"/>
-              </a:spcAft>
-              <a:buNone/>
-            </a:pPr>
-            <a:r>
-              <a:rPr lang="pt-BR"/>
-              <a:t>4) No nó 70/86/98 podemos perceber que 84 está entre 86 e 98, então passamos para o nó compreendido entre tais valores;</a:t>
-            </a:r>
-            <a:endParaRPr lang="pt-BR"/>
-          </a:p>
-          <a:p>
-            <a:pPr marL="0" lvl="0" indent="0" algn="l" rtl="0">
-              <a:spcBef>
-                <a:spcPts val="0"/>
-              </a:spcBef>
-              <a:spcAft>
-                <a:spcPts val="0"/>
-              </a:spcAft>
-              <a:buNone/>
-            </a:pPr>
-            <a:r>
-              <a:rPr lang="pt-BR"/>
-              <a:t>5) Desta vez encontramos o valor-chave no terceiro campo de dados.</a:t>
-            </a:r>
-            <a:endParaRPr lang="pt-BR"/>
-          </a:p>
-          <a:p>
             <a:pPr marL="0" lvl="0" indent="0" algn="l" rtl="0">
               <a:spcBef>
                 <a:spcPts val="0"/>
@@ -8192,6 +8330,32 @@
           </a:p>
         </p:txBody>
       </p:sp>
+      <p:pic>
+        <p:nvPicPr>
+          <p:cNvPr id="148" name="Google Shape;148;p26"/>
+          <p:cNvPicPr preferRelativeResize="0"/>
+          <p:nvPr/>
+        </p:nvPicPr>
+        <p:blipFill>
+          <a:blip r:embed="rId1"/>
+          <a:stretch>
+            <a:fillRect/>
+          </a:stretch>
+        </p:blipFill>
+        <p:spPr>
+          <a:xfrm>
+            <a:off x="524578" y="0"/>
+            <a:ext cx="8094844" cy="5143500"/>
+          </a:xfrm>
+          <a:prstGeom prst="rect">
+            <a:avLst/>
+          </a:prstGeom>
+          <a:noFill/>
+          <a:ln>
+            <a:noFill/>
+          </a:ln>
+        </p:spPr>
+      </p:pic>
     </p:spTree>
   </p:cSld>
   <p:clrMapOvr>
@@ -8205,7 +8369,7 @@
   <p:cSld>
     <p:spTree>
       <p:nvGrpSpPr>
-        <p:cNvPr id="147" name="Shape 147"/>
+        <p:cNvPr id="152" name="Shape 152"/>
         <p:cNvGrpSpPr/>
         <p:nvPr/>
       </p:nvGrpSpPr>
@@ -8219,7 +8383,7 @@
       </p:grpSpPr>
       <p:sp>
         <p:nvSpPr>
-          <p:cNvPr id="148" name="Google Shape;148;p26"/>
+          <p:cNvPr id="156" name="Google Shape;156;p27"/>
           <p:cNvSpPr txBox="1"/>
           <p:nvPr>
             <p:ph type="title"/>
@@ -8227,7 +8391,7 @@
         </p:nvSpPr>
         <p:spPr>
           <a:xfrm>
-            <a:off x="311700" y="445025"/>
+            <a:off x="311700" y="479200"/>
             <a:ext cx="8520600" cy="572700"/>
           </a:xfrm>
           <a:prstGeom prst="rect">
@@ -8251,7 +8415,7 @@
             </a:pPr>
             <a:r>
               <a:rPr lang="pt-BR"/>
-              <a:t>Animação da Estrutura</a:t>
+              <a:t>Remover 2-3-4</a:t>
             </a:r>
             <a:endParaRPr lang="pt-BR"/>
           </a:p>
@@ -8259,29 +8423,64 @@
       </p:sp>
       <p:pic>
         <p:nvPicPr>
-          <p:cNvPr id="149" name="Google Shape;149;p26"/>
-          <p:cNvPicPr preferRelativeResize="0"/>
-          <p:nvPr/>
+          <p:cNvPr id="1" name="remoçao">
+            <a:hlinkClick r:id="" action="ppaction://media"/>
+          </p:cNvPr>
+          <p:cNvPicPr/>
+          <p:nvPr>
+            <a:videoFile r:link="rId1"/>
+            <p:extLst>
+              <p:ext uri="{DAA4B4D4-6D71-4841-9C94-3DE7FCFB9230}">
+                <p14:media xmlns:p14="http://schemas.microsoft.com/office/powerpoint/2010/main" r:embed="rId2"/>
+              </p:ext>
+            </p:extLst>
+          </p:nvPr>
         </p:nvPicPr>
-        <p:blipFill rotWithShape="1">
-          <a:blip r:embed="rId1"/>
-          <a:srcRect b="6742"/>
+        <p:blipFill>
+          <a:blip r:embed="rId3"/>
           <a:stretch>
             <a:fillRect/>
           </a:stretch>
         </p:blipFill>
         <p:spPr>
           <a:xfrm>
-            <a:off x="1910513" y="1066575"/>
-            <a:ext cx="5322975" cy="3934050"/>
+            <a:off x="-278130" y="1327150"/>
+            <a:ext cx="4825365" cy="2832100"/>
           </a:xfrm>
           <a:prstGeom prst="rect">
             <a:avLst/>
           </a:prstGeom>
-          <a:noFill/>
-          <a:ln>
-            <a:noFill/>
-          </a:ln>
+        </p:spPr>
+      </p:pic>
+      <p:pic>
+        <p:nvPicPr>
+          <p:cNvPr id="2" name="remoçao2">
+            <a:hlinkClick r:id="" action="ppaction://media"/>
+          </p:cNvPr>
+          <p:cNvPicPr/>
+          <p:nvPr>
+            <a:videoFile r:link="rId4"/>
+            <p:extLst>
+              <p:ext uri="{DAA4B4D4-6D71-4841-9C94-3DE7FCFB9230}">
+                <p14:media xmlns:p14="http://schemas.microsoft.com/office/powerpoint/2010/main" r:embed="rId5"/>
+              </p:ext>
+            </p:extLst>
+          </p:nvPr>
+        </p:nvPicPr>
+        <p:blipFill>
+          <a:blip r:embed="rId6"/>
+          <a:stretch>
+            <a:fillRect/>
+          </a:stretch>
+        </p:blipFill>
+        <p:spPr>
+          <a:xfrm>
+            <a:off x="4425315" y="1327785"/>
+            <a:ext cx="4753610" cy="2831465"/>
+          </a:xfrm>
+          <a:prstGeom prst="rect">
+            <a:avLst/>
+          </a:prstGeom>
         </p:spPr>
       </p:pic>
     </p:spTree>
@@ -8289,6 +8488,180 @@
   <p:clrMapOvr>
     <a:masterClrMapping/>
   </p:clrMapOvr>
+  <p:timing>
+    <p:tnLst>
+      <p:par>
+        <p:cTn id="1" dur="indefinite" restart="never" nodeType="tmRoot">
+          <p:childTnLst>
+            <p:video fullScrn="0">
+              <p:cMediaNode>
+                <p:cTn id="2" fill="hold" display="1">
+                  <p:stCondLst>
+                    <p:cond delay="indefinite"/>
+                  </p:stCondLst>
+                  <p:endCondLst>
+                    <p:cond evt="onNext">
+                      <p:tgtEl>
+                        <p:sldTgt/>
+                      </p:tgtEl>
+                    </p:cond>
+                    <p:cond evt="onPrev">
+                      <p:tgtEl>
+                        <p:sldTgt/>
+                      </p:tgtEl>
+                    </p:cond>
+                  </p:endCondLst>
+                </p:cTn>
+                <p:tgtEl>
+                  <p:spTgt spid="1"/>
+                </p:tgtEl>
+              </p:cMediaNode>
+            </p:video>
+            <p:seq concurrent="1" nextAc="seek">
+              <p:cTn id="3" restart="whenNotActive" fill="hold" evtFilter="cancelBubble" nodeType="interactiveSeq">
+                <p:stCondLst>
+                  <p:cond evt="onClick" delay="0">
+                    <p:tgtEl>
+                      <p:spTgt spid="1"/>
+                    </p:tgtEl>
+                  </p:cond>
+                </p:stCondLst>
+                <p:endSync evt="end" delay="0">
+                  <p:rtn val="all"/>
+                </p:endSync>
+                <p:childTnLst>
+                  <p:par>
+                    <p:cTn id="4" fill="hold">
+                      <p:stCondLst>
+                        <p:cond delay="0"/>
+                      </p:stCondLst>
+                      <p:childTnLst>
+                        <p:par>
+                          <p:cTn id="5" fill="hold">
+                            <p:stCondLst>
+                              <p:cond delay="0"/>
+                            </p:stCondLst>
+                            <p:childTnLst>
+                              <p:par>
+                                <p:cTn id="6" presetID="2" presetClass="mediacall" presetSubtype="0" fill="hold" nodeType="clickEffect">
+                                  <p:stCondLst>
+                                    <p:cond delay="0"/>
+                                  </p:stCondLst>
+                                  <p:childTnLst>
+                                    <p:cmd type="call" cmd="togglePause">
+                                      <p:cBhvr additive="base">
+                                        <p:cTn id="7" dur="1" fill="hold"/>
+                                        <p:tgtEl>
+                                          <p:spTgt spid="1"/>
+                                        </p:tgtEl>
+                                      </p:cBhvr>
+                                    </p:cmd>
+                                  </p:childTnLst>
+                                </p:cTn>
+                              </p:par>
+                            </p:childTnLst>
+                          </p:cTn>
+                        </p:par>
+                      </p:childTnLst>
+                    </p:cTn>
+                  </p:par>
+                </p:childTnLst>
+              </p:cTn>
+              <p:nextCondLst>
+                <p:cond evt="onClick" delay="0">
+                  <p:tgtEl>
+                    <p:spTgt spid="1"/>
+                  </p:tgtEl>
+                </p:cond>
+              </p:nextCondLst>
+            </p:seq>
+            <p:video fullScrn="0">
+              <p:cMediaNode>
+                <p:cTn id="8" fill="hold" display="1">
+                  <p:stCondLst>
+                    <p:cond delay="indefinite"/>
+                  </p:stCondLst>
+                  <p:endCondLst>
+                    <p:cond evt="onNext">
+                      <p:tgtEl>
+                        <p:sldTgt/>
+                      </p:tgtEl>
+                    </p:cond>
+                    <p:cond evt="onPrev">
+                      <p:tgtEl>
+                        <p:sldTgt/>
+                      </p:tgtEl>
+                    </p:cond>
+                  </p:endCondLst>
+                </p:cTn>
+                <p:tgtEl>
+                  <p:spTgt spid="2"/>
+                </p:tgtEl>
+              </p:cMediaNode>
+            </p:video>
+            <p:seq concurrent="1" nextAc="seek">
+              <p:cTn id="9" restart="whenNotActive" fill="hold" evtFilter="cancelBubble" nodeType="interactiveSeq">
+                <p:stCondLst>
+                  <p:cond evt="onClick" delay="0">
+                    <p:tgtEl>
+                      <p:spTgt spid="2"/>
+                    </p:tgtEl>
+                  </p:cond>
+                </p:stCondLst>
+                <p:endSync evt="end" delay="0">
+                  <p:rtn val="all"/>
+                </p:endSync>
+                <p:childTnLst>
+                  <p:par>
+                    <p:cTn id="10" fill="hold">
+                      <p:stCondLst>
+                        <p:cond delay="0"/>
+                      </p:stCondLst>
+                      <p:childTnLst>
+                        <p:par>
+                          <p:cTn id="11" fill="hold">
+                            <p:stCondLst>
+                              <p:cond delay="0"/>
+                            </p:stCondLst>
+                            <p:childTnLst>
+                              <p:par>
+                                <p:cTn id="12" presetID="2" presetClass="mediacall" presetSubtype="0" fill="hold" nodeType="clickEffect">
+                                  <p:stCondLst>
+                                    <p:cond delay="0"/>
+                                  </p:stCondLst>
+                                  <p:childTnLst>
+                                    <p:cmd type="call" cmd="togglePause">
+                                      <p:cBhvr additive="base">
+                                        <p:cTn id="13" dur="1" fill="hold"/>
+                                        <p:tgtEl>
+                                          <p:spTgt spid="2"/>
+                                        </p:tgtEl>
+                                      </p:cBhvr>
+                                    </p:cmd>
+                                  </p:childTnLst>
+                                </p:cTn>
+                              </p:par>
+                            </p:childTnLst>
+                          </p:cTn>
+                        </p:par>
+                      </p:childTnLst>
+                    </p:cTn>
+                  </p:par>
+                </p:childTnLst>
+              </p:cTn>
+              <p:nextCondLst>
+                <p:cond evt="onClick" delay="0">
+                  <p:tgtEl>
+                    <p:spTgt spid="2"/>
+                  </p:tgtEl>
+                </p:cond>
+              </p:nextCondLst>
+            </p:seq>
+          </p:childTnLst>
+        </p:cTn>
+      </p:par>
+    </p:tnLst>
+  </p:timing>
 </p:sld>
 </file>
 
@@ -8297,7 +8670,7 @@
   <p:cSld>
     <p:spTree>
       <p:nvGrpSpPr>
-        <p:cNvPr id="153" name="Shape 153"/>
+        <p:cNvPr id="160" name="Shape 160"/>
         <p:cNvGrpSpPr/>
         <p:nvPr/>
       </p:nvGrpSpPr>
@@ -8311,7 +8684,7 @@
       </p:grpSpPr>
       <p:sp>
         <p:nvSpPr>
-          <p:cNvPr id="154" name="Google Shape;154;p27"/>
+          <p:cNvPr id="164" name="Google Shape;164;p28"/>
           <p:cNvSpPr txBox="1"/>
           <p:nvPr>
             <p:ph type="title"/>
@@ -8319,7 +8692,7 @@
         </p:nvSpPr>
         <p:spPr>
           <a:xfrm>
-            <a:off x="311700" y="445025"/>
+            <a:off x="311700" y="431350"/>
             <a:ext cx="8520600" cy="572700"/>
           </a:xfrm>
           <a:prstGeom prst="rect">
@@ -8343,69 +8716,253 @@
             </a:pPr>
             <a:r>
               <a:rPr lang="pt-BR"/>
-              <a:t>De volta a motivação</a:t>
+              <a:t>Remover 2-3-4</a:t>
             </a:r>
             <a:endParaRPr lang="pt-BR"/>
           </a:p>
         </p:txBody>
       </p:sp>
-      <p:sp>
-        <p:nvSpPr>
-          <p:cNvPr id="155" name="Google Shape;155;p27"/>
-          <p:cNvSpPr txBox="1"/>
+      <p:pic>
+        <p:nvPicPr>
+          <p:cNvPr id="1" name="remoçao3">
+            <a:hlinkClick r:id="" action="ppaction://media"/>
+          </p:cNvPr>
+          <p:cNvPicPr/>
           <p:nvPr>
-            <p:ph type="body" idx="1"/>
+            <a:videoFile r:link="rId1"/>
+            <p:extLst>
+              <p:ext uri="{DAA4B4D4-6D71-4841-9C94-3DE7FCFB9230}">
+                <p14:media xmlns:p14="http://schemas.microsoft.com/office/powerpoint/2010/main" r:embed="rId2"/>
+              </p:ext>
+            </p:extLst>
           </p:nvPr>
-        </p:nvSpPr>
-        <p:spPr>
-          <a:xfrm>
-            <a:off x="311700" y="1152475"/>
-            <a:ext cx="8520600" cy="3416400"/>
+        </p:nvPicPr>
+        <p:blipFill>
+          <a:blip r:embed="rId3"/>
+          <a:stretch>
+            <a:fillRect/>
+          </a:stretch>
+        </p:blipFill>
+        <p:spPr>
+          <a:xfrm>
+            <a:off x="-96520" y="1523365"/>
+            <a:ext cx="4396105" cy="2493010"/>
           </a:xfrm>
           <a:prstGeom prst="rect">
             <a:avLst/>
           </a:prstGeom>
         </p:spPr>
-        <p:txBody>
-          <a:bodyPr spcFirstLastPara="1" wrap="square" lIns="91425" tIns="91425" rIns="91425" bIns="91425" anchor="t" anchorCtr="0">
-            <a:noAutofit/>
-          </a:bodyPr>
-          <a:lstStyle/>
-          <a:p>
-            <a:pPr marL="457200" lvl="0" indent="-342900" algn="l" rtl="0">
-              <a:spcBef>
-                <a:spcPts val="0"/>
-              </a:spcBef>
-              <a:spcAft>
-                <a:spcPts val="0"/>
-              </a:spcAft>
-              <a:buSzPts val="1800"/>
-              <a:buChar char="●"/>
-            </a:pPr>
-            <a:r>
-              <a:rPr lang="pt-BR"/>
-              <a:t>A árvore 2-3-4 garantirá que  a altura  será O (log N) usando apenas 2, 3 ou 4 filhos por nó.</a:t>
-            </a:r>
-            <a:endParaRPr lang="pt-BR"/>
-          </a:p>
-          <a:p>
-            <a:pPr marL="0" lvl="0" indent="0" algn="l" rtl="0">
-              <a:spcBef>
-                <a:spcPts val="1600"/>
-              </a:spcBef>
-              <a:spcAft>
-                <a:spcPts val="1600"/>
-              </a:spcAft>
-              <a:buNone/>
-            </a:pPr>
-          </a:p>
-        </p:txBody>
-      </p:sp>
+      </p:pic>
+      <p:pic>
+        <p:nvPicPr>
+          <p:cNvPr id="2" name="remoçao4">
+            <a:hlinkClick r:id="" action="ppaction://media"/>
+          </p:cNvPr>
+          <p:cNvPicPr/>
+          <p:nvPr>
+            <a:videoFile r:link="rId4"/>
+            <p:extLst>
+              <p:ext uri="{DAA4B4D4-6D71-4841-9C94-3DE7FCFB9230}">
+                <p14:media xmlns:p14="http://schemas.microsoft.com/office/powerpoint/2010/main" r:embed="rId5"/>
+              </p:ext>
+            </p:extLst>
+          </p:nvPr>
+        </p:nvPicPr>
+        <p:blipFill>
+          <a:blip r:embed="rId6"/>
+          <a:stretch>
+            <a:fillRect/>
+          </a:stretch>
+        </p:blipFill>
+        <p:spPr>
+          <a:xfrm>
+            <a:off x="4299585" y="1523365"/>
+            <a:ext cx="4889500" cy="2493010"/>
+          </a:xfrm>
+          <a:prstGeom prst="rect">
+            <a:avLst/>
+          </a:prstGeom>
+        </p:spPr>
+      </p:pic>
     </p:spTree>
   </p:cSld>
   <p:clrMapOvr>
     <a:masterClrMapping/>
   </p:clrMapOvr>
+  <p:timing>
+    <p:tnLst>
+      <p:par>
+        <p:cTn id="1" dur="indefinite" restart="never" nodeType="tmRoot">
+          <p:childTnLst>
+            <p:video fullScrn="0">
+              <p:cMediaNode>
+                <p:cTn id="2" fill="hold" display="1">
+                  <p:stCondLst>
+                    <p:cond delay="indefinite"/>
+                  </p:stCondLst>
+                  <p:endCondLst>
+                    <p:cond evt="onNext">
+                      <p:tgtEl>
+                        <p:sldTgt/>
+                      </p:tgtEl>
+                    </p:cond>
+                    <p:cond evt="onPrev">
+                      <p:tgtEl>
+                        <p:sldTgt/>
+                      </p:tgtEl>
+                    </p:cond>
+                  </p:endCondLst>
+                </p:cTn>
+                <p:tgtEl>
+                  <p:spTgt spid="1"/>
+                </p:tgtEl>
+              </p:cMediaNode>
+            </p:video>
+            <p:seq concurrent="1" nextAc="seek">
+              <p:cTn id="3" restart="whenNotActive" fill="hold" evtFilter="cancelBubble" nodeType="interactiveSeq">
+                <p:stCondLst>
+                  <p:cond evt="onClick" delay="0">
+                    <p:tgtEl>
+                      <p:spTgt spid="1"/>
+                    </p:tgtEl>
+                  </p:cond>
+                </p:stCondLst>
+                <p:endSync evt="end" delay="0">
+                  <p:rtn val="all"/>
+                </p:endSync>
+                <p:childTnLst>
+                  <p:par>
+                    <p:cTn id="4" fill="hold">
+                      <p:stCondLst>
+                        <p:cond delay="0"/>
+                      </p:stCondLst>
+                      <p:childTnLst>
+                        <p:par>
+                          <p:cTn id="5" fill="hold">
+                            <p:stCondLst>
+                              <p:cond delay="0"/>
+                            </p:stCondLst>
+                            <p:childTnLst>
+                              <p:par>
+                                <p:cTn id="6" presetID="2" presetClass="mediacall" presetSubtype="0" fill="hold" nodeType="clickEffect">
+                                  <p:stCondLst>
+                                    <p:cond delay="0"/>
+                                  </p:stCondLst>
+                                  <p:childTnLst>
+                                    <p:cmd type="call" cmd="togglePause">
+                                      <p:cBhvr additive="base">
+                                        <p:cTn id="7" dur="1" fill="hold"/>
+                                        <p:tgtEl>
+                                          <p:spTgt spid="1"/>
+                                        </p:tgtEl>
+                                      </p:cBhvr>
+                                    </p:cmd>
+                                  </p:childTnLst>
+                                </p:cTn>
+                              </p:par>
+                            </p:childTnLst>
+                          </p:cTn>
+                        </p:par>
+                      </p:childTnLst>
+                    </p:cTn>
+                  </p:par>
+                </p:childTnLst>
+              </p:cTn>
+              <p:nextCondLst>
+                <p:cond evt="onClick" delay="0">
+                  <p:tgtEl>
+                    <p:spTgt spid="1"/>
+                  </p:tgtEl>
+                </p:cond>
+              </p:nextCondLst>
+            </p:seq>
+            <p:video fullScrn="0">
+              <p:cMediaNode>
+                <p:cTn id="8" fill="hold" display="1">
+                  <p:stCondLst>
+                    <p:cond delay="indefinite"/>
+                  </p:stCondLst>
+                  <p:endCondLst>
+                    <p:cond evt="onNext">
+                      <p:tgtEl>
+                        <p:sldTgt/>
+                      </p:tgtEl>
+                    </p:cond>
+                    <p:cond evt="onPrev">
+                      <p:tgtEl>
+                        <p:sldTgt/>
+                      </p:tgtEl>
+                    </p:cond>
+                  </p:endCondLst>
+                </p:cTn>
+                <p:tgtEl>
+                  <p:spTgt spid="2"/>
+                </p:tgtEl>
+              </p:cMediaNode>
+            </p:video>
+            <p:seq concurrent="1" nextAc="seek">
+              <p:cTn id="9" restart="whenNotActive" fill="hold" evtFilter="cancelBubble" nodeType="interactiveSeq">
+                <p:stCondLst>
+                  <p:cond evt="onClick" delay="0">
+                    <p:tgtEl>
+                      <p:spTgt spid="2"/>
+                    </p:tgtEl>
+                  </p:cond>
+                </p:stCondLst>
+                <p:endSync evt="end" delay="0">
+                  <p:rtn val="all"/>
+                </p:endSync>
+                <p:childTnLst>
+                  <p:par>
+                    <p:cTn id="10" fill="hold">
+                      <p:stCondLst>
+                        <p:cond delay="0"/>
+                      </p:stCondLst>
+                      <p:childTnLst>
+                        <p:par>
+                          <p:cTn id="11" fill="hold">
+                            <p:stCondLst>
+                              <p:cond delay="0"/>
+                            </p:stCondLst>
+                            <p:childTnLst>
+                              <p:par>
+                                <p:cTn id="12" presetID="2" presetClass="mediacall" presetSubtype="0" fill="hold" nodeType="clickEffect">
+                                  <p:stCondLst>
+                                    <p:cond delay="0"/>
+                                  </p:stCondLst>
+                                  <p:childTnLst>
+                                    <p:cmd type="call" cmd="togglePause">
+                                      <p:cBhvr additive="base">
+                                        <p:cTn id="13" dur="1" fill="hold"/>
+                                        <p:tgtEl>
+                                          <p:spTgt spid="2"/>
+                                        </p:tgtEl>
+                                      </p:cBhvr>
+                                    </p:cmd>
+                                  </p:childTnLst>
+                                </p:cTn>
+                              </p:par>
+                            </p:childTnLst>
+                          </p:cTn>
+                        </p:par>
+                      </p:childTnLst>
+                    </p:cTn>
+                  </p:par>
+                </p:childTnLst>
+              </p:cTn>
+              <p:nextCondLst>
+                <p:cond evt="onClick" delay="0">
+                  <p:tgtEl>
+                    <p:spTgt spid="2"/>
+                  </p:tgtEl>
+                </p:cond>
+              </p:nextCondLst>
+            </p:seq>
+          </p:childTnLst>
+        </p:cTn>
+      </p:par>
+    </p:tnLst>
+  </p:timing>
 </p:sld>
 </file>
 
@@ -8414,7 +8971,7 @@
   <p:cSld>
     <p:spTree>
       <p:nvGrpSpPr>
-        <p:cNvPr id="159" name="Shape 159"/>
+        <p:cNvPr id="168" name="Shape 168"/>
         <p:cNvGrpSpPr/>
         <p:nvPr/>
       </p:nvGrpSpPr>
@@ -8428,7 +8985,250 @@
       </p:grpSpPr>
       <p:sp>
         <p:nvSpPr>
-          <p:cNvPr id="160" name="Google Shape;160;p28"/>
+          <p:cNvPr id="169" name="Google Shape;169;p29"/>
+          <p:cNvSpPr txBox="1"/>
+          <p:nvPr>
+            <p:ph type="title"/>
+          </p:nvPr>
+        </p:nvSpPr>
+        <p:spPr>
+          <a:xfrm>
+            <a:off x="130090" y="2285400"/>
+            <a:ext cx="8520600" cy="572700"/>
+          </a:xfrm>
+          <a:prstGeom prst="rect">
+            <a:avLst/>
+          </a:prstGeom>
+        </p:spPr>
+        <p:txBody>
+          <a:bodyPr spcFirstLastPara="1" wrap="square" lIns="91425" tIns="91425" rIns="91425" bIns="91425" anchor="t" anchorCtr="0">
+            <a:noAutofit/>
+          </a:bodyPr>
+          <a:lstStyle/>
+          <a:p>
+            <a:pPr marL="0" lvl="0" indent="0" algn="l" rtl="0">
+              <a:spcBef>
+                <a:spcPts val="0"/>
+              </a:spcBef>
+              <a:spcAft>
+                <a:spcPts val="0"/>
+              </a:spcAft>
+              <a:buNone/>
+            </a:pPr>
+            <a:r>
+              <a:rPr lang="pt-BR"/>
+              <a:t>Realoca 2-3-4</a:t>
+            </a:r>
+            <a:endParaRPr lang="pt-BR"/>
+          </a:p>
+        </p:txBody>
+      </p:sp>
+      <p:pic>
+        <p:nvPicPr>
+          <p:cNvPr id="171" name="Google Shape;171;p29"/>
+          <p:cNvPicPr preferRelativeResize="0"/>
+          <p:nvPr/>
+        </p:nvPicPr>
+        <p:blipFill rotWithShape="1">
+          <a:blip r:embed="rId1"/>
+          <a:srcRect/>
+          <a:stretch>
+            <a:fillRect/>
+          </a:stretch>
+        </p:blipFill>
+        <p:spPr>
+          <a:xfrm>
+            <a:off x="3037600" y="0"/>
+            <a:ext cx="7326474" cy="5143500"/>
+          </a:xfrm>
+          <a:prstGeom prst="rect">
+            <a:avLst/>
+          </a:prstGeom>
+          <a:noFill/>
+          <a:ln>
+            <a:noFill/>
+          </a:ln>
+        </p:spPr>
+      </p:pic>
+    </p:spTree>
+  </p:cSld>
+  <p:clrMapOvr>
+    <a:masterClrMapping/>
+  </p:clrMapOvr>
+</p:sld>
+</file>
+
+<file path=ppt/slides/slide17.xml><?xml version="1.0" encoding="utf-8"?>
+<p:sld xmlns:a="http://schemas.openxmlformats.org/drawingml/2006/main" xmlns:r="http://schemas.openxmlformats.org/officeDocument/2006/relationships" xmlns:p="http://schemas.openxmlformats.org/presentationml/2006/main">
+  <p:cSld>
+    <p:spTree>
+      <p:nvGrpSpPr>
+        <p:cNvPr id="181" name="Shape 181"/>
+        <p:cNvGrpSpPr/>
+        <p:nvPr/>
+      </p:nvGrpSpPr>
+      <p:grpSpPr>
+        <a:xfrm>
+          <a:off x="0" y="0"/>
+          <a:ext cx="0" cy="0"/>
+          <a:chOff x="0" y="0"/>
+          <a:chExt cx="0" cy="0"/>
+        </a:xfrm>
+      </p:grpSpPr>
+      <p:sp>
+        <p:nvSpPr>
+          <p:cNvPr id="182" name="Google Shape;182;p31"/>
+          <p:cNvSpPr txBox="1"/>
+          <p:nvPr>
+            <p:ph type="title"/>
+          </p:nvPr>
+        </p:nvSpPr>
+        <p:spPr>
+          <a:xfrm>
+            <a:off x="311700" y="445025"/>
+            <a:ext cx="8520600" cy="572700"/>
+          </a:xfrm>
+          <a:prstGeom prst="rect">
+            <a:avLst/>
+          </a:prstGeom>
+        </p:spPr>
+        <p:txBody>
+          <a:bodyPr spcFirstLastPara="1" wrap="square" lIns="91425" tIns="91425" rIns="91425" bIns="91425" anchor="t" anchorCtr="0">
+            <a:noAutofit/>
+          </a:bodyPr>
+          <a:lstStyle/>
+          <a:p>
+            <a:pPr marL="0" lvl="0" indent="0" algn="l" rtl="0">
+              <a:spcBef>
+                <a:spcPts val="0"/>
+              </a:spcBef>
+              <a:spcAft>
+                <a:spcPts val="0"/>
+              </a:spcAft>
+              <a:buNone/>
+            </a:pPr>
+            <a:r>
+              <a:rPr lang="pt-BR"/>
+              <a:t>De volta a motivação</a:t>
+            </a:r>
+            <a:endParaRPr lang="pt-BR"/>
+          </a:p>
+        </p:txBody>
+      </p:sp>
+      <p:sp>
+        <p:nvSpPr>
+          <p:cNvPr id="183" name="Google Shape;183;p31"/>
+          <p:cNvSpPr txBox="1"/>
+          <p:nvPr>
+            <p:ph type="body" idx="1"/>
+          </p:nvPr>
+        </p:nvSpPr>
+        <p:spPr>
+          <a:xfrm>
+            <a:off x="311700" y="1152475"/>
+            <a:ext cx="8520600" cy="3416400"/>
+          </a:xfrm>
+          <a:prstGeom prst="rect">
+            <a:avLst/>
+          </a:prstGeom>
+        </p:spPr>
+        <p:txBody>
+          <a:bodyPr spcFirstLastPara="1" wrap="square" lIns="91425" tIns="91425" rIns="91425" bIns="91425" anchor="t" anchorCtr="0">
+            <a:noAutofit/>
+          </a:bodyPr>
+          <a:lstStyle/>
+          <a:p>
+            <a:pPr marL="457200" lvl="0" indent="-342900" algn="l" rtl="0">
+              <a:spcBef>
+                <a:spcPts val="0"/>
+              </a:spcBef>
+              <a:spcAft>
+                <a:spcPts val="0"/>
+              </a:spcAft>
+              <a:buSzPts val="1800"/>
+              <a:buChar char="●"/>
+            </a:pPr>
+            <a:r>
+              <a:rPr lang="pt-BR"/>
+              <a:t>A árvore 2-3-4 garantirá que  a altura  será O (log N) usando apenas 2, 3 ou 4 filhos por nó.</a:t>
+            </a:r>
+            <a:endParaRPr lang="pt-BR"/>
+          </a:p>
+          <a:p>
+            <a:pPr marL="457200" lvl="0" indent="-342900" algn="l" rtl="0">
+              <a:spcBef>
+                <a:spcPts val="0"/>
+              </a:spcBef>
+              <a:spcAft>
+                <a:spcPts val="0"/>
+              </a:spcAft>
+              <a:buSzPts val="1800"/>
+              <a:buChar char="●"/>
+            </a:pPr>
+            <a:r>
+              <a:rPr lang="pt-BR"/>
+              <a:t>Os tempos de busca são proporcionais a altura O(h) (recuperação por árvores n-árias).</a:t>
+            </a:r>
+            <a:endParaRPr lang="pt-BR"/>
+          </a:p>
+          <a:p>
+            <a:pPr marL="457200" lvl="0" indent="-342900" algn="l" rtl="0">
+              <a:spcBef>
+                <a:spcPts val="0"/>
+              </a:spcBef>
+              <a:spcAft>
+                <a:spcPts val="0"/>
+              </a:spcAft>
+              <a:buSzPts val="1800"/>
+              <a:buChar char="●"/>
+            </a:pPr>
+            <a:r>
+              <a:rPr lang="pt-BR"/>
+              <a:t>Porém desperdiça espaço porque muitos nós não estão nem mesmo cheios pelo metade. </a:t>
+            </a:r>
+            <a:endParaRPr lang="pt-BR"/>
+          </a:p>
+          <a:p>
+            <a:pPr marL="0" lvl="0" indent="0" algn="l" rtl="0">
+              <a:spcBef>
+                <a:spcPts val="1600"/>
+              </a:spcBef>
+              <a:spcAft>
+                <a:spcPts val="1600"/>
+              </a:spcAft>
+              <a:buNone/>
+            </a:pPr>
+          </a:p>
+        </p:txBody>
+      </p:sp>
+    </p:spTree>
+  </p:cSld>
+  <p:clrMapOvr>
+    <a:masterClrMapping/>
+  </p:clrMapOvr>
+</p:sld>
+</file>
+
+<file path=ppt/slides/slide18.xml><?xml version="1.0" encoding="utf-8"?>
+<p:sld xmlns:a="http://schemas.openxmlformats.org/drawingml/2006/main" xmlns:r="http://schemas.openxmlformats.org/officeDocument/2006/relationships" xmlns:p="http://schemas.openxmlformats.org/presentationml/2006/main">
+  <p:cSld>
+    <p:spTree>
+      <p:nvGrpSpPr>
+        <p:cNvPr id="187" name="Shape 187"/>
+        <p:cNvGrpSpPr/>
+        <p:nvPr/>
+      </p:nvGrpSpPr>
+      <p:grpSpPr>
+        <a:xfrm>
+          <a:off x="0" y="0"/>
+          <a:ext cx="0" cy="0"/>
+          <a:chOff x="0" y="0"/>
+          <a:chExt cx="0" cy="0"/>
+        </a:xfrm>
+      </p:grpSpPr>
+      <p:sp>
+        <p:nvSpPr>
+          <p:cNvPr id="188" name="Google Shape;188;p32"/>
           <p:cNvSpPr txBox="1"/>
           <p:nvPr>
             <p:ph type="title"/>
@@ -8468,7 +9268,7 @@
       </p:sp>
       <p:sp>
         <p:nvSpPr>
-          <p:cNvPr id="161" name="Google Shape;161;p28"/>
+          <p:cNvPr id="189" name="Google Shape;189;p32"/>
           <p:cNvSpPr txBox="1"/>
           <p:nvPr>
             <p:ph type="body" idx="1"/>
@@ -8476,8 +9276,8 @@
         </p:nvSpPr>
         <p:spPr>
           <a:xfrm>
-            <a:off x="311785" y="1152525"/>
-            <a:ext cx="8520430" cy="3761105"/>
+            <a:off x="311700" y="1152475"/>
+            <a:ext cx="8520600" cy="3416400"/>
           </a:xfrm>
           <a:prstGeom prst="rect">
             <a:avLst/>
@@ -8508,11 +9308,10 @@
               <a:t>. Disponível em: &lt;</a:t>
             </a:r>
             <a:r>
-              <a:rPr lang="pt-BR" sz="1400" u="sng">
+              <a:rPr lang="pt-BR" sz="1400">
                 <a:solidFill>
                   <a:schemeClr val="hlink"/>
                 </a:solidFill>
-                <a:hlinkClick r:id="rId1"/>
               </a:rPr>
               <a:t>https://www.cs.purdue.edu/homes/ayg/CS251/slides/chap13b.pdf</a:t>
             </a:r>
@@ -8542,11 +9341,10 @@
               <a:t>. Disponível em: &lt;</a:t>
             </a:r>
             <a:r>
-              <a:rPr lang="pt-BR" sz="1400" u="sng">
+              <a:rPr lang="pt-BR" sz="1400">
                 <a:solidFill>
                   <a:schemeClr val="hlink"/>
                 </a:solidFill>
-                <a:hlinkClick r:id="rId2"/>
               </a:rPr>
               <a:t>http://www.ufpa.br/sampaio/curso_de_estdados_1/arvores/arvore_234/introducao.htm</a:t>
             </a:r>
@@ -8576,11 +9374,10 @@
               <a:t>. Disponível em: &lt;</a:t>
             </a:r>
             <a:r>
-              <a:rPr lang="pt-BR" sz="1400" u="sng">
+              <a:rPr lang="pt-BR" sz="1400">
                 <a:solidFill>
                   <a:schemeClr val="hlink"/>
                 </a:solidFill>
-                <a:hlinkClick r:id="rId3"/>
               </a:rPr>
               <a:t>https://www.educative.io/page/5689413791121408/80001</a:t>
             </a:r>
@@ -8588,7 +9385,7 @@
               <a:rPr lang="pt-BR" sz="1400"/>
               <a:t>&gt; Acesso em: 27 de setembro de 2018.</a:t>
             </a:r>
-            <a:endParaRPr lang="pt-BR" sz="1400"/>
+            <a:endParaRPr sz="1400"/>
           </a:p>
           <a:p>
             <a:pPr marL="457200" lvl="0" indent="-317500" algn="l" rtl="0">
@@ -8602,41 +9399,26 @@
               <a:buChar char="●"/>
             </a:pPr>
             <a:r>
-              <a:rPr lang="x-none" sz="1400" b="1"/>
-              <a:t>IME USP.</a:t>
+              <a:rPr lang="pt-BR" sz="1400" b="1"/>
+              <a:t>IME USP</a:t>
             </a:r>
             <a:r>
-              <a:rPr lang="x-none" sz="1400"/>
-              <a:t> Disponível em:</a:t>
-            </a:r>
-            <a:endParaRPr lang="x-none" sz="1400"/>
-          </a:p>
-          <a:p>
-            <a:pPr marL="139700" lvl="0" indent="0" algn="l" rtl="0">
-              <a:spcBef>
-                <a:spcPts val="0"/>
-              </a:spcBef>
-              <a:spcAft>
-                <a:spcPts val="0"/>
-              </a:spcAft>
-              <a:buSzPts val="1400"/>
-              <a:buNone/>
-            </a:pPr>
-            <a:r>
-              <a:rPr lang="x-none" sz="1400"/>
-              <a:t>     &lt;</a:t>
+              <a:rPr lang="pt-BR" sz="1400"/>
+              <a:t>. Disponível em: &lt;</a:t>
             </a:r>
             <a:r>
-              <a:rPr lang="x-none" sz="1400">
-                <a:hlinkClick r:id="rId4" tooltip="" action="ppaction://hlinkfile"/>
+              <a:rPr lang="pt-BR" sz="1400">
+                <a:solidFill>
+                  <a:schemeClr val="hlink"/>
+                </a:solidFill>
               </a:rPr>
               <a:t>https://www.ime.usp.br/~pf/estruturas-de-dados/aulas/st-twothree.html</a:t>
             </a:r>
             <a:r>
-              <a:rPr lang="x-none" sz="1400"/>
+              <a:rPr lang="pt-BR" sz="1400"/>
               <a:t>&gt; Acesso em: 27 de setembro de 2018.</a:t>
             </a:r>
-            <a:endParaRPr lang="x-none" sz="1400"/>
+            <a:endParaRPr sz="1400"/>
           </a:p>
         </p:txBody>
       </p:sp>
@@ -8675,7 +9457,7 @@
         </p:nvSpPr>
         <p:spPr>
           <a:xfrm>
-            <a:off x="311700" y="445025"/>
+            <a:off x="311700" y="475505"/>
             <a:ext cx="8520600" cy="572700"/>
           </a:xfrm>
           <a:prstGeom prst="rect">
@@ -8715,7 +9497,7 @@
         </p:nvSpPr>
         <p:spPr>
           <a:xfrm>
-            <a:off x="729450" y="1416125"/>
+            <a:off x="727545" y="1283410"/>
             <a:ext cx="7688700" cy="3346200"/>
           </a:xfrm>
           <a:prstGeom prst="rect">
@@ -8785,7 +9567,7 @@
         </p:blipFill>
         <p:spPr>
           <a:xfrm>
-            <a:off x="1778075" y="2834025"/>
+            <a:off x="1726640" y="2834025"/>
             <a:ext cx="6099325" cy="2309475"/>
           </a:xfrm>
           <a:prstGeom prst="rect">
@@ -8914,15 +9696,24 @@
             </a:pPr>
             <a:r>
               <a:rPr lang="pt-BR" sz="1600"/>
-              <a:t>Estrutura de dados auto-balanceada. Onde cada nó desta árvore só pode ter </a:t>
+              <a:t>Estrutura de dados auto-balanceada. Onde cada nó desta árvore só pode ter no máximo quatro filhos. Com isso ela sempre mantém o balanço perfeito, ou seja todos os nós externos vão possuir a mesma profundidade.</a:t>
             </a:r>
-            <a:r>
-              <a:rPr lang="x-none" altLang="pt-BR" sz="1600"/>
-              <a:t>no máximo </a:t>
-            </a:r>
+            <a:endParaRPr sz="1600"/>
+          </a:p>
+          <a:p>
+            <a:pPr marL="914400" lvl="1" indent="-330200" algn="l" rtl="0">
+              <a:spcBef>
+                <a:spcPts val="0"/>
+              </a:spcBef>
+              <a:spcAft>
+                <a:spcPts val="0"/>
+              </a:spcAft>
+              <a:buSzPts val="1600"/>
+              <a:buChar char="○"/>
+            </a:pPr>
             <a:r>
               <a:rPr lang="pt-BR" sz="1600"/>
-              <a:t>quatro filhos. Com isso ela sempre mantém o balanço perfeito, ou seja todos os nós externos vão possuir a mesma profundidade.</a:t>
+              <a:t>A generalização de um nó permite múltiplas chaves e filhos.</a:t>
             </a:r>
             <a:endParaRPr sz="1600"/>
           </a:p>
@@ -8973,15 +9764,7 @@
             </a:pPr>
             <a:r>
               <a:rPr lang="pt-BR" sz="1600"/>
-              <a:t>Usada para auto completar</a:t>
-            </a:r>
-            <a:r>
-              <a:rPr lang="x-none" altLang="pt-BR" sz="1600"/>
-              <a:t>(Code completion)</a:t>
-            </a:r>
-            <a:r>
-              <a:rPr lang="pt-BR" sz="1600"/>
-              <a:t>.</a:t>
+              <a:t>Usada para auto completar.</a:t>
             </a:r>
             <a:endParaRPr sz="1600"/>
           </a:p>
@@ -9074,7 +9857,7 @@
         </p:nvSpPr>
         <p:spPr>
           <a:xfrm>
-            <a:off x="653250" y="1240675"/>
+            <a:off x="397980" y="1017790"/>
             <a:ext cx="8348100" cy="3902700"/>
           </a:xfrm>
           <a:prstGeom prst="rect">
@@ -9098,10 +9881,10 @@
               <a:buChar char="●"/>
             </a:pPr>
             <a:r>
-              <a:rPr lang="pt-BR"/>
+              <a:rPr lang="pt-BR" sz="1600"/>
               <a:t>Cada nó armazena três valores, no máximo, classificados do menor para o maior.</a:t>
             </a:r>
-            <a:endParaRPr lang="pt-BR"/>
+            <a:endParaRPr lang="pt-BR" sz="1600"/>
           </a:p>
           <a:p>
             <a:pPr marL="457200" lvl="0" indent="-342900" algn="l" rtl="0">
@@ -9115,10 +9898,10 @@
               <a:buChar char="●"/>
             </a:pPr>
             <a:r>
-              <a:rPr lang="pt-BR"/>
+              <a:rPr lang="pt-BR" sz="1600"/>
               <a:t>Todos os nós da folha estão no mesmo nível (perfeitamente equilibrados).</a:t>
             </a:r>
-            <a:endParaRPr lang="pt-BR"/>
+            <a:endParaRPr lang="pt-BR" sz="1600"/>
           </a:p>
           <a:p>
             <a:pPr marL="457200" lvl="0" indent="-342900" algn="l" rtl="0">
@@ -9132,10 +9915,10 @@
               <a:buChar char="●"/>
             </a:pPr>
             <a:r>
-              <a:rPr lang="pt-BR"/>
+              <a:rPr lang="pt-BR" sz="1600"/>
               <a:t>Um nó interno (sem folha) pode ter 2, 3 ou 4 filhos. Mais precisamente, os nós podem ser dos três tipos a seguir.</a:t>
             </a:r>
-            <a:endParaRPr lang="pt-BR"/>
+            <a:endParaRPr lang="pt-BR" sz="1600"/>
           </a:p>
           <a:p>
             <a:pPr marL="914400" lvl="1" indent="-330200" algn="l" rtl="0">
@@ -9149,10 +9932,9 @@
               <a:buChar char="○"/>
             </a:pPr>
             <a:r>
-              <a:rPr lang="pt-BR" sz="1600"/>
+              <a:rPr lang="pt-BR"/>
               <a:t>2-nó: o nó tem dois ponteiros filho e um elemento de dados.</a:t>
             </a:r>
-            <a:endParaRPr sz="1600"/>
           </a:p>
           <a:p>
             <a:pPr marL="914400" lvl="1" indent="-330200" algn="l" rtl="0">
@@ -9166,10 +9948,9 @@
               <a:buChar char="○"/>
             </a:pPr>
             <a:r>
-              <a:rPr lang="pt-BR" sz="1600"/>
+              <a:rPr lang="pt-BR"/>
               <a:t>3-nó: o nó tem três ponteiros filho e dois elementos de dados.</a:t>
             </a:r>
-            <a:endParaRPr sz="1600"/>
           </a:p>
           <a:p>
             <a:pPr marL="914400" lvl="1" indent="-330200" algn="l" rtl="0">
@@ -9183,10 +9964,9 @@
               <a:buChar char="○"/>
             </a:pPr>
             <a:r>
-              <a:rPr lang="pt-BR" sz="1600"/>
+              <a:rPr lang="pt-BR"/>
               <a:t>4-nó: o nó tem quatro ponteiros filho e três elementos de dados.</a:t>
             </a:r>
-            <a:endParaRPr sz="1600"/>
           </a:p>
           <a:p>
             <a:pPr marL="457200" lvl="0" indent="-342900" algn="l" rtl="0">
@@ -9200,10 +9980,10 @@
               <a:buChar char="●"/>
             </a:pPr>
             <a:r>
-              <a:rPr lang="pt-BR"/>
+              <a:rPr lang="pt-BR" sz="1600"/>
               <a:t>Um nó de folha pode ter 2, 3 ou 4 itens, mas não tem filhos. Em outras palavras, uma folha é 2-Nó, 3-Nó ou 4-Nó onde todas os filhos são nulos.</a:t>
             </a:r>
-            <a:endParaRPr lang="pt-BR"/>
+            <a:endParaRPr lang="pt-BR" sz="1600"/>
           </a:p>
         </p:txBody>
       </p:sp>
@@ -9385,7 +10165,7 @@
         </p:nvSpPr>
         <p:spPr>
           <a:xfrm>
-            <a:off x="787225" y="3924075"/>
+            <a:off x="834215" y="3924075"/>
             <a:ext cx="6976200" cy="813900"/>
           </a:xfrm>
           <a:prstGeom prst="rect">
@@ -9417,7 +10197,7 @@
                   <a:srgbClr val="FFFFFF"/>
                 </a:solidFill>
               </a:rPr>
-              <a:t>Árvore Binária									Árvore 2-3-4</a:t>
+              <a:t>Árvore Binária		  						                                             Árvore 2-3-4</a:t>
             </a:r>
             <a:endParaRPr>
               <a:solidFill>
@@ -9441,7 +10221,7 @@
         </p:blipFill>
         <p:spPr>
           <a:xfrm>
-            <a:off x="3856551" y="2415575"/>
+            <a:off x="3438721" y="2430180"/>
             <a:ext cx="5211250" cy="1397890"/>
           </a:xfrm>
           <a:prstGeom prst="rect">
@@ -9682,7 +10462,7 @@
         </p:nvSpPr>
         <p:spPr>
           <a:xfrm>
-            <a:off x="746255" y="14923"/>
+            <a:off x="99065" y="2285388"/>
             <a:ext cx="8520600" cy="572700"/>
           </a:xfrm>
           <a:prstGeom prst="rect">
@@ -9714,7 +10494,7 @@
       </p:sp>
       <p:pic>
         <p:nvPicPr>
-          <p:cNvPr id="102" name="Google Shape;102;p19"/>
+          <p:cNvPr id="101" name="Google Shape;101;p19"/>
           <p:cNvPicPr preferRelativeResize="0"/>
           <p:nvPr/>
         </p:nvPicPr>
@@ -9726,8 +10506,8 @@
         </p:blipFill>
         <p:spPr>
           <a:xfrm>
-            <a:off x="4088485" y="188540"/>
-            <a:ext cx="5016524" cy="4826675"/>
+            <a:off x="3212061" y="-1"/>
+            <a:ext cx="5345840" cy="5143500"/>
           </a:xfrm>
           <a:prstGeom prst="rect">
             <a:avLst/>
@@ -9736,30 +10516,6 @@
           <a:ln>
             <a:noFill/>
           </a:ln>
-        </p:spPr>
-      </p:pic>
-      <p:pic>
-        <p:nvPicPr>
-          <p:cNvPr id="1" name="Picture 0" descr="TTtrace"/>
-          <p:cNvPicPr>
-            <a:picLocks noChangeAspect="1"/>
-          </p:cNvPicPr>
-          <p:nvPr/>
-        </p:nvPicPr>
-        <p:blipFill>
-          <a:blip r:embed="rId2"/>
-          <a:stretch>
-            <a:fillRect/>
-          </a:stretch>
-        </p:blipFill>
-        <p:spPr>
-          <a:xfrm>
-            <a:off x="348615" y="425450"/>
-            <a:ext cx="3660140" cy="4589780"/>
-          </a:xfrm>
-          <a:prstGeom prst="rect">
-            <a:avLst/>
-          </a:prstGeom>
         </p:spPr>
       </p:pic>
     </p:spTree>
@@ -9775,7 +10531,7 @@
   <p:cSld>
     <p:spTree>
       <p:nvGrpSpPr>
-        <p:cNvPr id="106" name="Shape 106"/>
+        <p:cNvPr id="105" name="Shape 105"/>
         <p:cNvGrpSpPr/>
         <p:nvPr/>
       </p:nvGrpSpPr>
@@ -9789,7 +10545,7 @@
       </p:grpSpPr>
       <p:sp>
         <p:nvSpPr>
-          <p:cNvPr id="107" name="Google Shape;107;p20"/>
+          <p:cNvPr id="106" name="Google Shape;106;p20"/>
           <p:cNvSpPr txBox="1"/>
           <p:nvPr>
             <p:ph type="title"/>
@@ -9824,7 +10580,7 @@
       </p:sp>
       <p:sp>
         <p:nvSpPr>
-          <p:cNvPr id="108" name="Google Shape;108;p20"/>
+          <p:cNvPr id="107" name="Google Shape;107;p20"/>
           <p:cNvSpPr txBox="1"/>
           <p:nvPr>
             <p:ph type="body" idx="1"/>
@@ -9859,7 +10615,7 @@
       </p:sp>
       <p:pic>
         <p:nvPicPr>
-          <p:cNvPr id="109" name="Google Shape;109;p20"/>
+          <p:cNvPr id="108" name="Google Shape;108;p20"/>
           <p:cNvPicPr preferRelativeResize="0"/>
           <p:nvPr/>
         </p:nvPicPr>
@@ -9896,7 +10652,7 @@
   <p:cSld>
     <p:spTree>
       <p:nvGrpSpPr>
-        <p:cNvPr id="113" name="Shape 113"/>
+        <p:cNvPr id="112" name="Shape 112"/>
         <p:cNvGrpSpPr/>
         <p:nvPr/>
       </p:nvGrpSpPr>
@@ -9910,7 +10666,7 @@
       </p:grpSpPr>
       <p:sp>
         <p:nvSpPr>
-          <p:cNvPr id="114" name="Google Shape;114;p21"/>
+          <p:cNvPr id="113" name="Google Shape;113;p21"/>
           <p:cNvSpPr txBox="1"/>
           <p:nvPr>
             <p:ph type="title"/>
@@ -9945,7 +10701,7 @@
       </p:sp>
       <p:sp>
         <p:nvSpPr>
-          <p:cNvPr id="115" name="Google Shape;115;p21"/>
+          <p:cNvPr id="114" name="Google Shape;114;p21"/>
           <p:cNvSpPr txBox="1"/>
           <p:nvPr>
             <p:ph type="body" idx="1"/>
@@ -9980,7 +10736,7 @@
       </p:sp>
       <p:pic>
         <p:nvPicPr>
-          <p:cNvPr id="116" name="Google Shape;116;p21"/>
+          <p:cNvPr id="115" name="Google Shape;115;p21"/>
           <p:cNvPicPr preferRelativeResize="0"/>
           <p:nvPr/>
         </p:nvPicPr>

--- a/Árvore 2-3-4/Árvore 2-3-4.pptx
+++ b/Árvore 2-3-4/Árvore 2-3-4.pptx
@@ -7820,41 +7820,6 @@
           <a:chExt cx="0" cy="0"/>
         </a:xfrm>
       </p:grpSpPr>
-      <p:sp>
-        <p:nvSpPr>
-          <p:cNvPr id="120" name="Google Shape;120;p22"/>
-          <p:cNvSpPr txBox="1"/>
-          <p:nvPr>
-            <p:ph type="title"/>
-          </p:nvPr>
-        </p:nvSpPr>
-        <p:spPr>
-          <a:xfrm>
-            <a:off x="311700" y="445025"/>
-            <a:ext cx="8520600" cy="572700"/>
-          </a:xfrm>
-          <a:prstGeom prst="rect">
-            <a:avLst/>
-          </a:prstGeom>
-        </p:spPr>
-        <p:txBody>
-          <a:bodyPr spcFirstLastPara="1" wrap="square" lIns="91425" tIns="91425" rIns="91425" bIns="91425" anchor="t" anchorCtr="0">
-            <a:noAutofit/>
-          </a:bodyPr>
-          <a:lstStyle/>
-          <a:p>
-            <a:pPr marL="0" lvl="0" indent="0" algn="l" rtl="0">
-              <a:spcBef>
-                <a:spcPts val="0"/>
-              </a:spcBef>
-              <a:spcAft>
-                <a:spcPts val="0"/>
-              </a:spcAft>
-              <a:buNone/>
-            </a:pPr>
-          </a:p>
-        </p:txBody>
-      </p:sp>
       <p:pic>
         <p:nvPicPr>
           <p:cNvPr id="121" name="Google Shape;121;p22"/>
@@ -8260,76 +8225,6 @@
           <a:chExt cx="0" cy="0"/>
         </a:xfrm>
       </p:grpSpPr>
-      <p:sp>
-        <p:nvSpPr>
-          <p:cNvPr id="146" name="Google Shape;146;p26"/>
-          <p:cNvSpPr txBox="1"/>
-          <p:nvPr>
-            <p:ph type="title"/>
-          </p:nvPr>
-        </p:nvSpPr>
-        <p:spPr>
-          <a:xfrm>
-            <a:off x="311700" y="445025"/>
-            <a:ext cx="8520600" cy="572700"/>
-          </a:xfrm>
-          <a:prstGeom prst="rect">
-            <a:avLst/>
-          </a:prstGeom>
-        </p:spPr>
-        <p:txBody>
-          <a:bodyPr spcFirstLastPara="1" wrap="square" lIns="91425" tIns="91425" rIns="91425" bIns="91425" anchor="t" anchorCtr="0">
-            <a:noAutofit/>
-          </a:bodyPr>
-          <a:lstStyle/>
-          <a:p>
-            <a:pPr marL="0" lvl="0" indent="0" algn="l" rtl="0">
-              <a:spcBef>
-                <a:spcPts val="0"/>
-              </a:spcBef>
-              <a:spcAft>
-                <a:spcPts val="0"/>
-              </a:spcAft>
-              <a:buNone/>
-            </a:pPr>
-          </a:p>
-        </p:txBody>
-      </p:sp>
-      <p:sp>
-        <p:nvSpPr>
-          <p:cNvPr id="147" name="Google Shape;147;p26"/>
-          <p:cNvSpPr txBox="1"/>
-          <p:nvPr>
-            <p:ph type="body" idx="1"/>
-          </p:nvPr>
-        </p:nvSpPr>
-        <p:spPr>
-          <a:xfrm>
-            <a:off x="311700" y="1152475"/>
-            <a:ext cx="8520600" cy="3416400"/>
-          </a:xfrm>
-          <a:prstGeom prst="rect">
-            <a:avLst/>
-          </a:prstGeom>
-        </p:spPr>
-        <p:txBody>
-          <a:bodyPr spcFirstLastPara="1" wrap="square" lIns="91425" tIns="91425" rIns="91425" bIns="91425" anchor="t" anchorCtr="0">
-            <a:noAutofit/>
-          </a:bodyPr>
-          <a:lstStyle/>
-          <a:p>
-            <a:pPr marL="0" lvl="0" indent="0" algn="l" rtl="0">
-              <a:spcBef>
-                <a:spcPts val="0"/>
-              </a:spcBef>
-              <a:spcAft>
-                <a:spcPts val="1600"/>
-              </a:spcAft>
-              <a:buNone/>
-            </a:pPr>
-          </a:p>
-        </p:txBody>
-      </p:sp>
       <p:pic>
         <p:nvPicPr>
           <p:cNvPr id="148" name="Google Shape;148;p26"/>
@@ -9935,6 +9830,7 @@
               <a:rPr lang="pt-BR"/>
               <a:t>2-nó: o nó tem dois ponteiros filho e um elemento de dados.</a:t>
             </a:r>
+            <a:endParaRPr lang="pt-BR"/>
           </a:p>
           <a:p>
             <a:pPr marL="914400" lvl="1" indent="-330200" algn="l" rtl="0">
@@ -9951,6 +9847,7 @@
               <a:rPr lang="pt-BR"/>
               <a:t>3-nó: o nó tem três ponteiros filho e dois elementos de dados.</a:t>
             </a:r>
+            <a:endParaRPr lang="pt-BR"/>
           </a:p>
           <a:p>
             <a:pPr marL="914400" lvl="1" indent="-330200" algn="l" rtl="0">
@@ -9967,6 +9864,7 @@
               <a:rPr lang="pt-BR"/>
               <a:t>4-nó: o nó tem quatro ponteiros filho e três elementos de dados.</a:t>
             </a:r>
+            <a:endParaRPr lang="pt-BR"/>
           </a:p>
           <a:p>
             <a:pPr marL="457200" lvl="0" indent="-342900" algn="l" rtl="0">
@@ -10543,76 +10441,6 @@
           <a:chExt cx="0" cy="0"/>
         </a:xfrm>
       </p:grpSpPr>
-      <p:sp>
-        <p:nvSpPr>
-          <p:cNvPr id="106" name="Google Shape;106;p20"/>
-          <p:cNvSpPr txBox="1"/>
-          <p:nvPr>
-            <p:ph type="title"/>
-          </p:nvPr>
-        </p:nvSpPr>
-        <p:spPr>
-          <a:xfrm>
-            <a:off x="311700" y="445025"/>
-            <a:ext cx="8520600" cy="572700"/>
-          </a:xfrm>
-          <a:prstGeom prst="rect">
-            <a:avLst/>
-          </a:prstGeom>
-        </p:spPr>
-        <p:txBody>
-          <a:bodyPr spcFirstLastPara="1" wrap="square" lIns="91425" tIns="91425" rIns="91425" bIns="91425" anchor="t" anchorCtr="0">
-            <a:noAutofit/>
-          </a:bodyPr>
-          <a:lstStyle/>
-          <a:p>
-            <a:pPr marL="0" lvl="0" indent="0" algn="l" rtl="0">
-              <a:spcBef>
-                <a:spcPts val="0"/>
-              </a:spcBef>
-              <a:spcAft>
-                <a:spcPts val="0"/>
-              </a:spcAft>
-              <a:buNone/>
-            </a:pPr>
-          </a:p>
-        </p:txBody>
-      </p:sp>
-      <p:sp>
-        <p:nvSpPr>
-          <p:cNvPr id="107" name="Google Shape;107;p20"/>
-          <p:cNvSpPr txBox="1"/>
-          <p:nvPr>
-            <p:ph type="body" idx="1"/>
-          </p:nvPr>
-        </p:nvSpPr>
-        <p:spPr>
-          <a:xfrm>
-            <a:off x="311700" y="1152475"/>
-            <a:ext cx="8520600" cy="3416400"/>
-          </a:xfrm>
-          <a:prstGeom prst="rect">
-            <a:avLst/>
-          </a:prstGeom>
-        </p:spPr>
-        <p:txBody>
-          <a:bodyPr spcFirstLastPara="1" wrap="square" lIns="91425" tIns="91425" rIns="91425" bIns="91425" anchor="t" anchorCtr="0">
-            <a:noAutofit/>
-          </a:bodyPr>
-          <a:lstStyle/>
-          <a:p>
-            <a:pPr marL="0" lvl="0" indent="0" algn="l" rtl="0">
-              <a:spcBef>
-                <a:spcPts val="0"/>
-              </a:spcBef>
-              <a:spcAft>
-                <a:spcPts val="1600"/>
-              </a:spcAft>
-              <a:buNone/>
-            </a:pPr>
-          </a:p>
-        </p:txBody>
-      </p:sp>
       <p:pic>
         <p:nvPicPr>
           <p:cNvPr id="108" name="Google Shape;108;p20"/>
@@ -10664,76 +10492,6 @@
           <a:chExt cx="0" cy="0"/>
         </a:xfrm>
       </p:grpSpPr>
-      <p:sp>
-        <p:nvSpPr>
-          <p:cNvPr id="113" name="Google Shape;113;p21"/>
-          <p:cNvSpPr txBox="1"/>
-          <p:nvPr>
-            <p:ph type="title"/>
-          </p:nvPr>
-        </p:nvSpPr>
-        <p:spPr>
-          <a:xfrm>
-            <a:off x="311700" y="445025"/>
-            <a:ext cx="8520600" cy="572700"/>
-          </a:xfrm>
-          <a:prstGeom prst="rect">
-            <a:avLst/>
-          </a:prstGeom>
-        </p:spPr>
-        <p:txBody>
-          <a:bodyPr spcFirstLastPara="1" wrap="square" lIns="91425" tIns="91425" rIns="91425" bIns="91425" anchor="t" anchorCtr="0">
-            <a:noAutofit/>
-          </a:bodyPr>
-          <a:lstStyle/>
-          <a:p>
-            <a:pPr marL="0" lvl="0" indent="0" algn="l" rtl="0">
-              <a:spcBef>
-                <a:spcPts val="0"/>
-              </a:spcBef>
-              <a:spcAft>
-                <a:spcPts val="0"/>
-              </a:spcAft>
-              <a:buNone/>
-            </a:pPr>
-          </a:p>
-        </p:txBody>
-      </p:sp>
-      <p:sp>
-        <p:nvSpPr>
-          <p:cNvPr id="114" name="Google Shape;114;p21"/>
-          <p:cNvSpPr txBox="1"/>
-          <p:nvPr>
-            <p:ph type="body" idx="1"/>
-          </p:nvPr>
-        </p:nvSpPr>
-        <p:spPr>
-          <a:xfrm>
-            <a:off x="311700" y="1152475"/>
-            <a:ext cx="8520600" cy="3416400"/>
-          </a:xfrm>
-          <a:prstGeom prst="rect">
-            <a:avLst/>
-          </a:prstGeom>
-        </p:spPr>
-        <p:txBody>
-          <a:bodyPr spcFirstLastPara="1" wrap="square" lIns="91425" tIns="91425" rIns="91425" bIns="91425" anchor="t" anchorCtr="0">
-            <a:noAutofit/>
-          </a:bodyPr>
-          <a:lstStyle/>
-          <a:p>
-            <a:pPr marL="0" lvl="0" indent="0" algn="l" rtl="0">
-              <a:spcBef>
-                <a:spcPts val="0"/>
-              </a:spcBef>
-              <a:spcAft>
-                <a:spcPts val="1600"/>
-              </a:spcAft>
-              <a:buNone/>
-            </a:pPr>
-          </a:p>
-        </p:txBody>
-      </p:sp>
       <p:pic>
         <p:nvPicPr>
           <p:cNvPr id="115" name="Google Shape;115;p21"/>
